--- a/Presentation/DesktopAppsWithWeb.pptx
+++ b/Presentation/DesktopAppsWithWeb.pptx
@@ -10,7 +10,13 @@
     <p:sldId id="260" r:id="rId4"/>
     <p:sldId id="261" r:id="rId5"/>
     <p:sldId id="262" r:id="rId6"/>
-    <p:sldId id="258" r:id="rId7"/>
+    <p:sldId id="263" r:id="rId7"/>
+    <p:sldId id="264" r:id="rId8"/>
+    <p:sldId id="265" r:id="rId9"/>
+    <p:sldId id="266" r:id="rId10"/>
+    <p:sldId id="267" r:id="rId11"/>
+    <p:sldId id="268" r:id="rId12"/>
+    <p:sldId id="258" r:id="rId13"/>
   </p:sldIdLst>
   <p:sldSz cx="12192000" cy="6858000"/>
   <p:notesSz cx="6858000" cy="9144000"/>
@@ -7340,6 +7346,1797 @@
 </p:sld>
 </file>
 
+<file path=ppt/slides/slide10.xml><?xml version="1.0" encoding="utf-8"?>
+<p:sld xmlns:a="http://schemas.openxmlformats.org/drawingml/2006/main" xmlns:r="http://schemas.openxmlformats.org/officeDocument/2006/relationships" xmlns:p="http://schemas.openxmlformats.org/presentationml/2006/main">
+  <p:cSld>
+    <p:spTree>
+      <p:nvGrpSpPr>
+        <p:cNvPr id="1" name=""/>
+        <p:cNvGrpSpPr/>
+        <p:nvPr/>
+      </p:nvGrpSpPr>
+      <p:grpSpPr>
+        <a:xfrm>
+          <a:off x="0" y="0"/>
+          <a:ext cx="0" cy="0"/>
+          <a:chOff x="0" y="0"/>
+          <a:chExt cx="0" cy="0"/>
+        </a:xfrm>
+      </p:grpSpPr>
+      <p:sp>
+        <p:nvSpPr>
+          <p:cNvPr id="3" name="Title 2">
+            <a:extLst>
+              <a:ext uri="{FF2B5EF4-FFF2-40B4-BE49-F238E27FC236}">
+                <a16:creationId xmlns:a16="http://schemas.microsoft.com/office/drawing/2014/main" id="{0569A2A7-8100-B045-AEF1-9D4BB8656D4A}"/>
+              </a:ext>
+            </a:extLst>
+          </p:cNvPr>
+          <p:cNvSpPr>
+            <a:spLocks noGrp="1"/>
+          </p:cNvSpPr>
+          <p:nvPr>
+            <p:ph type="title"/>
+          </p:nvPr>
+        </p:nvSpPr>
+        <p:spPr/>
+        <p:txBody>
+          <a:bodyPr/>
+          <a:lstStyle/>
+          <a:p>
+            <a:r>
+              <a:rPr lang="en-US" dirty="0"/>
+              <a:t>Benefits of the approach</a:t>
+            </a:r>
+          </a:p>
+        </p:txBody>
+      </p:sp>
+      <p:sp>
+        <p:nvSpPr>
+          <p:cNvPr id="4" name="Content Placeholder 3">
+            <a:extLst>
+              <a:ext uri="{FF2B5EF4-FFF2-40B4-BE49-F238E27FC236}">
+                <a16:creationId xmlns:a16="http://schemas.microsoft.com/office/drawing/2014/main" id="{ACCE5218-5657-2A4C-BBFA-40F966053BC6}"/>
+              </a:ext>
+            </a:extLst>
+          </p:cNvPr>
+          <p:cNvSpPr>
+            <a:spLocks noGrp="1"/>
+          </p:cNvSpPr>
+          <p:nvPr>
+            <p:ph idx="1"/>
+          </p:nvPr>
+        </p:nvSpPr>
+        <p:spPr/>
+        <p:txBody>
+          <a:bodyPr/>
+          <a:lstStyle/>
+          <a:p>
+            <a:r>
+              <a:rPr lang="en-US" sz="3600" dirty="0"/>
+              <a:t>Completely detached Clients </a:t>
+            </a:r>
+          </a:p>
+          <a:p>
+            <a:pPr lvl="1"/>
+            <a:r>
+              <a:rPr lang="en-US" sz="3200" dirty="0"/>
+              <a:t>Go with whatever you want</a:t>
+            </a:r>
+          </a:p>
+          <a:p>
+            <a:pPr lvl="1"/>
+            <a:r>
+              <a:rPr lang="en-US" sz="3200" dirty="0"/>
+              <a:t>Add a new one when you have to</a:t>
+            </a:r>
+          </a:p>
+          <a:p>
+            <a:r>
+              <a:rPr lang="en-US" sz="3600" dirty="0"/>
+              <a:t>Highly testable</a:t>
+            </a:r>
+          </a:p>
+          <a:p>
+            <a:r>
+              <a:rPr lang="en-US" sz="3600" dirty="0"/>
+              <a:t>Scalable… if you do your job right…</a:t>
+            </a:r>
+          </a:p>
+          <a:p>
+            <a:endParaRPr lang="en-US" dirty="0"/>
+          </a:p>
+          <a:p>
+            <a:endParaRPr lang="en-US" dirty="0"/>
+          </a:p>
+          <a:p>
+            <a:endParaRPr lang="en-US" dirty="0"/>
+          </a:p>
+        </p:txBody>
+      </p:sp>
+    </p:spTree>
+    <p:extLst>
+      <p:ext uri="{BB962C8B-B14F-4D97-AF65-F5344CB8AC3E}">
+        <p14:creationId xmlns:p14="http://schemas.microsoft.com/office/powerpoint/2010/main" val="1075376063"/>
+      </p:ext>
+    </p:extLst>
+  </p:cSld>
+  <p:clrMapOvr>
+    <a:masterClrMapping/>
+  </p:clrMapOvr>
+  <mc:AlternateContent xmlns:mc="http://schemas.openxmlformats.org/markup-compatibility/2006" xmlns:p14="http://schemas.microsoft.com/office/powerpoint/2010/main">
+    <mc:Choice Requires="p14">
+      <p:transition spd="med" p14:dur="700">
+        <p:fade/>
+      </p:transition>
+    </mc:Choice>
+    <mc:Fallback xmlns="">
+      <p:transition spd="med">
+        <p:fade/>
+      </p:transition>
+    </mc:Fallback>
+  </mc:AlternateContent>
+</p:sld>
+</file>
+
+<file path=ppt/slides/slide11.xml><?xml version="1.0" encoding="utf-8"?>
+<p:sld xmlns:a="http://schemas.openxmlformats.org/drawingml/2006/main" xmlns:r="http://schemas.openxmlformats.org/officeDocument/2006/relationships" xmlns:p="http://schemas.openxmlformats.org/presentationml/2006/main">
+  <p:cSld>
+    <p:spTree>
+      <p:nvGrpSpPr>
+        <p:cNvPr id="1" name=""/>
+        <p:cNvGrpSpPr/>
+        <p:nvPr/>
+      </p:nvGrpSpPr>
+      <p:grpSpPr>
+        <a:xfrm>
+          <a:off x="0" y="0"/>
+          <a:ext cx="0" cy="0"/>
+          <a:chOff x="0" y="0"/>
+          <a:chExt cx="0" cy="0"/>
+        </a:xfrm>
+      </p:grpSpPr>
+      <p:sp>
+        <p:nvSpPr>
+          <p:cNvPr id="2" name="Title 1">
+            <a:extLst>
+              <a:ext uri="{FF2B5EF4-FFF2-40B4-BE49-F238E27FC236}">
+                <a16:creationId xmlns:a16="http://schemas.microsoft.com/office/drawing/2014/main" id="{1BF83948-1EBA-814F-832A-BA850D944E40}"/>
+              </a:ext>
+            </a:extLst>
+          </p:cNvPr>
+          <p:cNvSpPr>
+            <a:spLocks noGrp="1"/>
+          </p:cNvSpPr>
+          <p:nvPr>
+            <p:ph type="title" idx="4294967295"/>
+          </p:nvPr>
+        </p:nvSpPr>
+        <p:spPr>
+          <a:xfrm>
+            <a:off x="320040" y="45090"/>
+            <a:ext cx="9613900" cy="1081088"/>
+          </a:xfrm>
+        </p:spPr>
+        <p:txBody>
+          <a:bodyPr/>
+          <a:lstStyle/>
+          <a:p>
+            <a:r>
+              <a:rPr lang="en-US" dirty="0"/>
+              <a:t>How we actually did it... </a:t>
+            </a:r>
+          </a:p>
+        </p:txBody>
+      </p:sp>
+      <p:sp>
+        <p:nvSpPr>
+          <p:cNvPr id="6" name="Rectangle 5">
+            <a:extLst>
+              <a:ext uri="{FF2B5EF4-FFF2-40B4-BE49-F238E27FC236}">
+                <a16:creationId xmlns:a16="http://schemas.microsoft.com/office/drawing/2014/main" id="{53B3F239-BEFD-784A-8D7B-47EEFE3AF2D9}"/>
+              </a:ext>
+            </a:extLst>
+          </p:cNvPr>
+          <p:cNvSpPr/>
+          <p:nvPr/>
+        </p:nvSpPr>
+        <p:spPr>
+          <a:xfrm>
+            <a:off x="319919" y="4922402"/>
+            <a:ext cx="11739513" cy="1176869"/>
+          </a:xfrm>
+          <a:prstGeom prst="rect">
+            <a:avLst/>
+          </a:prstGeom>
+          <a:solidFill>
+            <a:schemeClr val="tx1"/>
+          </a:solidFill>
+          <a:ln>
+            <a:solidFill>
+              <a:schemeClr val="bg1"/>
+            </a:solidFill>
+          </a:ln>
+        </p:spPr>
+        <p:style>
+          <a:lnRef idx="2">
+            <a:schemeClr val="accent1">
+              <a:shade val="50000"/>
+            </a:schemeClr>
+          </a:lnRef>
+          <a:fillRef idx="1">
+            <a:schemeClr val="accent1"/>
+          </a:fillRef>
+          <a:effectRef idx="0">
+            <a:schemeClr val="accent1"/>
+          </a:effectRef>
+          <a:fontRef idx="minor">
+            <a:schemeClr val="lt1"/>
+          </a:fontRef>
+        </p:style>
+        <p:txBody>
+          <a:bodyPr rtlCol="0" anchor="ctr"/>
+          <a:lstStyle/>
+          <a:p>
+            <a:pPr algn="ctr"/>
+            <a:r>
+              <a:rPr lang="en-US" dirty="0">
+                <a:solidFill>
+                  <a:schemeClr val="bg1"/>
+                </a:solidFill>
+              </a:rPr>
+              <a:t>Database</a:t>
+            </a:r>
+            <a:r>
+              <a:rPr lang="bg-BG" dirty="0">
+                <a:solidFill>
+                  <a:schemeClr val="bg1"/>
+                </a:solidFill>
+              </a:rPr>
+              <a:t> – </a:t>
+            </a:r>
+            <a:r>
+              <a:rPr lang="en-US" dirty="0">
+                <a:solidFill>
+                  <a:schemeClr val="bg1"/>
+                </a:solidFill>
+              </a:rPr>
+              <a:t>AWS - RDS</a:t>
+            </a:r>
+          </a:p>
+        </p:txBody>
+      </p:sp>
+      <p:pic>
+        <p:nvPicPr>
+          <p:cNvPr id="8" name="Picture 7">
+            <a:extLst>
+              <a:ext uri="{FF2B5EF4-FFF2-40B4-BE49-F238E27FC236}">
+                <a16:creationId xmlns:a16="http://schemas.microsoft.com/office/drawing/2014/main" id="{365CA751-E018-0C44-95CD-B542C7D9CAEC}"/>
+              </a:ext>
+            </a:extLst>
+          </p:cNvPr>
+          <p:cNvPicPr>
+            <a:picLocks noChangeAspect="1"/>
+          </p:cNvPicPr>
+          <p:nvPr/>
+        </p:nvPicPr>
+        <p:blipFill>
+          <a:blip r:embed="rId2">
+            <a:extLst>
+              <a:ext uri="{28A0092B-C50C-407E-A947-70E740481C1C}">
+                <a14:useLocalDpi xmlns:a14="http://schemas.microsoft.com/office/drawing/2010/main" val="0"/>
+              </a:ext>
+            </a:extLst>
+          </a:blip>
+          <a:stretch>
+            <a:fillRect/>
+          </a:stretch>
+        </p:blipFill>
+        <p:spPr>
+          <a:xfrm>
+            <a:off x="4240023" y="5114850"/>
+            <a:ext cx="791972" cy="791972"/>
+          </a:xfrm>
+          <a:prstGeom prst="rect">
+            <a:avLst/>
+          </a:prstGeom>
+        </p:spPr>
+      </p:pic>
+      <p:sp>
+        <p:nvSpPr>
+          <p:cNvPr id="15" name="Rectangle 14">
+            <a:extLst>
+              <a:ext uri="{FF2B5EF4-FFF2-40B4-BE49-F238E27FC236}">
+                <a16:creationId xmlns:a16="http://schemas.microsoft.com/office/drawing/2014/main" id="{E078E17B-5FA3-3740-A430-BF9E62031BDC}"/>
+              </a:ext>
+            </a:extLst>
+          </p:cNvPr>
+          <p:cNvSpPr/>
+          <p:nvPr/>
+        </p:nvSpPr>
+        <p:spPr>
+          <a:xfrm>
+            <a:off x="319736" y="1064329"/>
+            <a:ext cx="2563372" cy="1485658"/>
+          </a:xfrm>
+          <a:prstGeom prst="rect">
+            <a:avLst/>
+          </a:prstGeom>
+          <a:solidFill>
+            <a:schemeClr val="tx1"/>
+          </a:solidFill>
+          <a:ln>
+            <a:solidFill>
+              <a:schemeClr val="bg1"/>
+            </a:solidFill>
+          </a:ln>
+        </p:spPr>
+        <p:style>
+          <a:lnRef idx="2">
+            <a:schemeClr val="accent1">
+              <a:shade val="50000"/>
+            </a:schemeClr>
+          </a:lnRef>
+          <a:fillRef idx="1">
+            <a:schemeClr val="accent1"/>
+          </a:fillRef>
+          <a:effectRef idx="0">
+            <a:schemeClr val="accent1"/>
+          </a:effectRef>
+          <a:fontRef idx="minor">
+            <a:schemeClr val="lt1"/>
+          </a:fontRef>
+        </p:style>
+        <p:txBody>
+          <a:bodyPr rtlCol="0" anchor="ctr"/>
+          <a:lstStyle/>
+          <a:p>
+            <a:pPr algn="ctr"/>
+            <a:endParaRPr lang="en-US" dirty="0">
+              <a:solidFill>
+                <a:schemeClr val="bg1"/>
+              </a:solidFill>
+            </a:endParaRPr>
+          </a:p>
+        </p:txBody>
+      </p:sp>
+      <p:sp>
+        <p:nvSpPr>
+          <p:cNvPr id="24" name="Rectangle 23">
+            <a:extLst>
+              <a:ext uri="{FF2B5EF4-FFF2-40B4-BE49-F238E27FC236}">
+                <a16:creationId xmlns:a16="http://schemas.microsoft.com/office/drawing/2014/main" id="{70D2BAD7-DA08-9046-948D-D0D791F95784}"/>
+              </a:ext>
+            </a:extLst>
+          </p:cNvPr>
+          <p:cNvSpPr/>
+          <p:nvPr/>
+        </p:nvSpPr>
+        <p:spPr>
+          <a:xfrm>
+            <a:off x="8491510" y="1064329"/>
+            <a:ext cx="3567922" cy="1485658"/>
+          </a:xfrm>
+          <a:prstGeom prst="rect">
+            <a:avLst/>
+          </a:prstGeom>
+          <a:solidFill>
+            <a:schemeClr val="tx1"/>
+          </a:solidFill>
+          <a:ln>
+            <a:solidFill>
+              <a:schemeClr val="bg1"/>
+            </a:solidFill>
+          </a:ln>
+        </p:spPr>
+        <p:style>
+          <a:lnRef idx="2">
+            <a:schemeClr val="accent1">
+              <a:shade val="50000"/>
+            </a:schemeClr>
+          </a:lnRef>
+          <a:fillRef idx="1">
+            <a:schemeClr val="accent1"/>
+          </a:fillRef>
+          <a:effectRef idx="0">
+            <a:schemeClr val="accent1"/>
+          </a:effectRef>
+          <a:fontRef idx="minor">
+            <a:schemeClr val="lt1"/>
+          </a:fontRef>
+        </p:style>
+        <p:txBody>
+          <a:bodyPr rtlCol="0" anchor="ctr"/>
+          <a:lstStyle/>
+          <a:p>
+            <a:pPr algn="ctr"/>
+            <a:endParaRPr lang="en-US" dirty="0">
+              <a:solidFill>
+                <a:schemeClr val="bg1"/>
+              </a:solidFill>
+            </a:endParaRPr>
+          </a:p>
+        </p:txBody>
+      </p:sp>
+      <p:sp>
+        <p:nvSpPr>
+          <p:cNvPr id="28" name="Rectangle 27">
+            <a:extLst>
+              <a:ext uri="{FF2B5EF4-FFF2-40B4-BE49-F238E27FC236}">
+                <a16:creationId xmlns:a16="http://schemas.microsoft.com/office/drawing/2014/main" id="{603CA055-A062-FA48-9C56-13FFE61D2EE7}"/>
+              </a:ext>
+            </a:extLst>
+          </p:cNvPr>
+          <p:cNvSpPr/>
+          <p:nvPr/>
+        </p:nvSpPr>
+        <p:spPr>
+          <a:xfrm>
+            <a:off x="2916418" y="1064329"/>
+            <a:ext cx="5541782" cy="1485658"/>
+          </a:xfrm>
+          <a:prstGeom prst="rect">
+            <a:avLst/>
+          </a:prstGeom>
+          <a:solidFill>
+            <a:schemeClr val="tx1"/>
+          </a:solidFill>
+          <a:ln>
+            <a:solidFill>
+              <a:schemeClr val="bg1"/>
+            </a:solidFill>
+          </a:ln>
+        </p:spPr>
+        <p:style>
+          <a:lnRef idx="2">
+            <a:schemeClr val="accent1">
+              <a:shade val="50000"/>
+            </a:schemeClr>
+          </a:lnRef>
+          <a:fillRef idx="1">
+            <a:schemeClr val="accent1"/>
+          </a:fillRef>
+          <a:effectRef idx="0">
+            <a:schemeClr val="accent1"/>
+          </a:effectRef>
+          <a:fontRef idx="minor">
+            <a:schemeClr val="lt1"/>
+          </a:fontRef>
+        </p:style>
+        <p:txBody>
+          <a:bodyPr rtlCol="0" anchor="ctr"/>
+          <a:lstStyle/>
+          <a:p>
+            <a:pPr algn="ctr"/>
+            <a:endParaRPr lang="en-US" dirty="0">
+              <a:solidFill>
+                <a:schemeClr val="bg1"/>
+              </a:solidFill>
+            </a:endParaRPr>
+          </a:p>
+        </p:txBody>
+      </p:sp>
+      <p:pic>
+        <p:nvPicPr>
+          <p:cNvPr id="4" name="Picture 3" descr="A close up of a sign&#10;&#10;Description automatically generated">
+            <a:extLst>
+              <a:ext uri="{FF2B5EF4-FFF2-40B4-BE49-F238E27FC236}">
+                <a16:creationId xmlns:a16="http://schemas.microsoft.com/office/drawing/2014/main" id="{C1A3EEC9-82B2-2F45-8548-4D4E0B319B50}"/>
+              </a:ext>
+            </a:extLst>
+          </p:cNvPr>
+          <p:cNvPicPr>
+            <a:picLocks noChangeAspect="1"/>
+          </p:cNvPicPr>
+          <p:nvPr/>
+        </p:nvPicPr>
+        <p:blipFill>
+          <a:blip r:embed="rId3">
+            <a:extLst>
+              <a:ext uri="{28A0092B-C50C-407E-A947-70E740481C1C}">
+                <a14:useLocalDpi xmlns:a14="http://schemas.microsoft.com/office/drawing/2010/main" val="0"/>
+              </a:ext>
+            </a:extLst>
+          </a:blip>
+          <a:stretch>
+            <a:fillRect/>
+          </a:stretch>
+        </p:blipFill>
+        <p:spPr>
+          <a:xfrm rot="10800000" flipV="1">
+            <a:off x="4277256" y="1223911"/>
+            <a:ext cx="972983" cy="972983"/>
+          </a:xfrm>
+          <a:prstGeom prst="rect">
+            <a:avLst/>
+          </a:prstGeom>
+        </p:spPr>
+      </p:pic>
+      <p:pic>
+        <p:nvPicPr>
+          <p:cNvPr id="33" name="Picture 32" descr="A close up of a logo&#10;&#10;Description automatically generated">
+            <a:extLst>
+              <a:ext uri="{FF2B5EF4-FFF2-40B4-BE49-F238E27FC236}">
+                <a16:creationId xmlns:a16="http://schemas.microsoft.com/office/drawing/2014/main" id="{240EF776-10B1-7E4A-B885-58B1023CE2DB}"/>
+              </a:ext>
+            </a:extLst>
+          </p:cNvPr>
+          <p:cNvPicPr>
+            <a:picLocks noChangeAspect="1"/>
+          </p:cNvPicPr>
+          <p:nvPr/>
+        </p:nvPicPr>
+        <p:blipFill>
+          <a:blip r:embed="rId4">
+            <a:extLst>
+              <a:ext uri="{28A0092B-C50C-407E-A947-70E740481C1C}">
+                <a14:useLocalDpi xmlns:a14="http://schemas.microsoft.com/office/drawing/2010/main" val="0"/>
+              </a:ext>
+            </a:extLst>
+          </a:blip>
+          <a:stretch>
+            <a:fillRect/>
+          </a:stretch>
+        </p:blipFill>
+        <p:spPr>
+          <a:xfrm>
+            <a:off x="839346" y="1804712"/>
+            <a:ext cx="1286608" cy="463456"/>
+          </a:xfrm>
+          <a:prstGeom prst="rect">
+            <a:avLst/>
+          </a:prstGeom>
+        </p:spPr>
+      </p:pic>
+      <p:sp>
+        <p:nvSpPr>
+          <p:cNvPr id="34" name="TextBox 33">
+            <a:extLst>
+              <a:ext uri="{FF2B5EF4-FFF2-40B4-BE49-F238E27FC236}">
+                <a16:creationId xmlns:a16="http://schemas.microsoft.com/office/drawing/2014/main" id="{8C384FBC-155E-2642-BFF9-FEE912AB891F}"/>
+              </a:ext>
+            </a:extLst>
+          </p:cNvPr>
+          <p:cNvSpPr txBox="1"/>
+          <p:nvPr/>
+        </p:nvSpPr>
+        <p:spPr>
+          <a:xfrm>
+            <a:off x="1115375" y="1338227"/>
+            <a:ext cx="1005403" cy="369332"/>
+          </a:xfrm>
+          <a:prstGeom prst="rect">
+            <a:avLst/>
+          </a:prstGeom>
+          <a:noFill/>
+        </p:spPr>
+        <p:txBody>
+          <a:bodyPr wrap="none" rtlCol="0">
+            <a:spAutoFit/>
+          </a:bodyPr>
+          <a:lstStyle/>
+          <a:p>
+            <a:r>
+              <a:rPr lang="en-US" dirty="0">
+                <a:solidFill>
+                  <a:schemeClr val="bg1"/>
+                </a:solidFill>
+              </a:rPr>
+              <a:t>Desktop</a:t>
+            </a:r>
+          </a:p>
+        </p:txBody>
+      </p:sp>
+      <p:sp>
+        <p:nvSpPr>
+          <p:cNvPr id="35" name="TextBox 34">
+            <a:extLst>
+              <a:ext uri="{FF2B5EF4-FFF2-40B4-BE49-F238E27FC236}">
+                <a16:creationId xmlns:a16="http://schemas.microsoft.com/office/drawing/2014/main" id="{114034A9-C8ED-8241-86D0-18B795711A31}"/>
+              </a:ext>
+            </a:extLst>
+          </p:cNvPr>
+          <p:cNvSpPr txBox="1"/>
+          <p:nvPr/>
+        </p:nvSpPr>
+        <p:spPr>
+          <a:xfrm>
+            <a:off x="3353984" y="1248609"/>
+            <a:ext cx="626133" cy="369332"/>
+          </a:xfrm>
+          <a:prstGeom prst="rect">
+            <a:avLst/>
+          </a:prstGeom>
+          <a:noFill/>
+        </p:spPr>
+        <p:txBody>
+          <a:bodyPr wrap="square" rtlCol="0">
+            <a:spAutoFit/>
+          </a:bodyPr>
+          <a:lstStyle/>
+          <a:p>
+            <a:r>
+              <a:rPr lang="en-US" dirty="0">
+                <a:solidFill>
+                  <a:schemeClr val="bg1"/>
+                </a:solidFill>
+              </a:rPr>
+              <a:t>Web</a:t>
+            </a:r>
+          </a:p>
+        </p:txBody>
+      </p:sp>
+      <p:sp>
+        <p:nvSpPr>
+          <p:cNvPr id="36" name="TextBox 35">
+            <a:extLst>
+              <a:ext uri="{FF2B5EF4-FFF2-40B4-BE49-F238E27FC236}">
+                <a16:creationId xmlns:a16="http://schemas.microsoft.com/office/drawing/2014/main" id="{71AEC738-9E93-3340-996E-3BBA773539C7}"/>
+              </a:ext>
+            </a:extLst>
+          </p:cNvPr>
+          <p:cNvSpPr txBox="1"/>
+          <p:nvPr/>
+        </p:nvSpPr>
+        <p:spPr>
+          <a:xfrm>
+            <a:off x="9773702" y="1311174"/>
+            <a:ext cx="859531" cy="369332"/>
+          </a:xfrm>
+          <a:prstGeom prst="rect">
+            <a:avLst/>
+          </a:prstGeom>
+          <a:noFill/>
+        </p:spPr>
+        <p:txBody>
+          <a:bodyPr wrap="none" rtlCol="0">
+            <a:spAutoFit/>
+          </a:bodyPr>
+          <a:lstStyle/>
+          <a:p>
+            <a:r>
+              <a:rPr lang="en-US" dirty="0">
+                <a:solidFill>
+                  <a:schemeClr val="bg1"/>
+                </a:solidFill>
+              </a:rPr>
+              <a:t>Mobile</a:t>
+            </a:r>
+          </a:p>
+        </p:txBody>
+      </p:sp>
+      <p:pic>
+        <p:nvPicPr>
+          <p:cNvPr id="38" name="Picture 37">
+            <a:extLst>
+              <a:ext uri="{FF2B5EF4-FFF2-40B4-BE49-F238E27FC236}">
+                <a16:creationId xmlns:a16="http://schemas.microsoft.com/office/drawing/2014/main" id="{E35AA811-9937-F34B-B563-6B6517269AF3}"/>
+              </a:ext>
+            </a:extLst>
+          </p:cNvPr>
+          <p:cNvPicPr>
+            <a:picLocks noChangeAspect="1"/>
+          </p:cNvPicPr>
+          <p:nvPr/>
+        </p:nvPicPr>
+        <p:blipFill>
+          <a:blip r:embed="rId5">
+            <a:extLst>
+              <a:ext uri="{28A0092B-C50C-407E-A947-70E740481C1C}">
+                <a14:useLocalDpi xmlns:a14="http://schemas.microsoft.com/office/drawing/2010/main" val="0"/>
+              </a:ext>
+            </a:extLst>
+          </a:blip>
+          <a:stretch>
+            <a:fillRect/>
+          </a:stretch>
+        </p:blipFill>
+        <p:spPr>
+          <a:xfrm>
+            <a:off x="9165677" y="1781332"/>
+            <a:ext cx="417998" cy="490312"/>
+          </a:xfrm>
+          <a:prstGeom prst="rect">
+            <a:avLst/>
+          </a:prstGeom>
+        </p:spPr>
+      </p:pic>
+      <p:pic>
+        <p:nvPicPr>
+          <p:cNvPr id="40" name="Picture 39" descr="A close up of a logo&#10;&#10;Description automatically generated">
+            <a:extLst>
+              <a:ext uri="{FF2B5EF4-FFF2-40B4-BE49-F238E27FC236}">
+                <a16:creationId xmlns:a16="http://schemas.microsoft.com/office/drawing/2014/main" id="{37052573-2BF3-2945-93CE-5B20751D9B96}"/>
+              </a:ext>
+            </a:extLst>
+          </p:cNvPr>
+          <p:cNvPicPr>
+            <a:picLocks noChangeAspect="1"/>
+          </p:cNvPicPr>
+          <p:nvPr/>
+        </p:nvPicPr>
+        <p:blipFill>
+          <a:blip r:embed="rId6">
+            <a:extLst>
+              <a:ext uri="{28A0092B-C50C-407E-A947-70E740481C1C}">
+                <a14:useLocalDpi xmlns:a14="http://schemas.microsoft.com/office/drawing/2010/main" val="0"/>
+              </a:ext>
+            </a:extLst>
+          </a:blip>
+          <a:stretch>
+            <a:fillRect/>
+          </a:stretch>
+        </p:blipFill>
+        <p:spPr>
+          <a:xfrm>
+            <a:off x="10823260" y="1692739"/>
+            <a:ext cx="582461" cy="582461"/>
+          </a:xfrm>
+          <a:prstGeom prst="rect">
+            <a:avLst/>
+          </a:prstGeom>
+        </p:spPr>
+      </p:pic>
+      <p:sp>
+        <p:nvSpPr>
+          <p:cNvPr id="3" name="Rectangle 2">
+            <a:extLst>
+              <a:ext uri="{FF2B5EF4-FFF2-40B4-BE49-F238E27FC236}">
+                <a16:creationId xmlns:a16="http://schemas.microsoft.com/office/drawing/2014/main" id="{A6B2AF34-CCDA-4F4B-85DD-2945C6CF4AF8}"/>
+              </a:ext>
+            </a:extLst>
+          </p:cNvPr>
+          <p:cNvSpPr/>
+          <p:nvPr/>
+        </p:nvSpPr>
+        <p:spPr>
+          <a:xfrm>
+            <a:off x="320040" y="2618863"/>
+            <a:ext cx="4711955" cy="2194293"/>
+          </a:xfrm>
+          <a:prstGeom prst="rect">
+            <a:avLst/>
+          </a:prstGeom>
+          <a:solidFill>
+            <a:schemeClr val="tx1"/>
+          </a:solidFill>
+        </p:spPr>
+        <p:style>
+          <a:lnRef idx="2">
+            <a:schemeClr val="accent1">
+              <a:shade val="50000"/>
+            </a:schemeClr>
+          </a:lnRef>
+          <a:fillRef idx="1">
+            <a:schemeClr val="accent1"/>
+          </a:fillRef>
+          <a:effectRef idx="0">
+            <a:schemeClr val="accent1"/>
+          </a:effectRef>
+          <a:fontRef idx="minor">
+            <a:schemeClr val="lt1"/>
+          </a:fontRef>
+        </p:style>
+        <p:txBody>
+          <a:bodyPr rtlCol="0" anchor="ctr"/>
+          <a:lstStyle/>
+          <a:p>
+            <a:pPr algn="ctr"/>
+            <a:endParaRPr lang="en-US" dirty="0"/>
+          </a:p>
+        </p:txBody>
+      </p:sp>
+      <p:sp>
+        <p:nvSpPr>
+          <p:cNvPr id="26" name="Rectangle 25">
+            <a:extLst>
+              <a:ext uri="{FF2B5EF4-FFF2-40B4-BE49-F238E27FC236}">
+                <a16:creationId xmlns:a16="http://schemas.microsoft.com/office/drawing/2014/main" id="{06138543-39D3-D543-9F03-55DE9D6B4736}"/>
+              </a:ext>
+            </a:extLst>
+          </p:cNvPr>
+          <p:cNvSpPr/>
+          <p:nvPr/>
+        </p:nvSpPr>
+        <p:spPr>
+          <a:xfrm>
+            <a:off x="423302" y="4058992"/>
+            <a:ext cx="2728412" cy="636657"/>
+          </a:xfrm>
+          <a:prstGeom prst="rect">
+            <a:avLst/>
+          </a:prstGeom>
+          <a:solidFill>
+            <a:schemeClr val="tx1"/>
+          </a:solidFill>
+          <a:ln>
+            <a:solidFill>
+              <a:schemeClr val="bg1"/>
+            </a:solidFill>
+          </a:ln>
+        </p:spPr>
+        <p:style>
+          <a:lnRef idx="2">
+            <a:schemeClr val="accent1">
+              <a:shade val="50000"/>
+            </a:schemeClr>
+          </a:lnRef>
+          <a:fillRef idx="1">
+            <a:schemeClr val="accent1"/>
+          </a:fillRef>
+          <a:effectRef idx="0">
+            <a:schemeClr val="accent1"/>
+          </a:effectRef>
+          <a:fontRef idx="minor">
+            <a:schemeClr val="lt1"/>
+          </a:fontRef>
+        </p:style>
+        <p:txBody>
+          <a:bodyPr rtlCol="0" anchor="ctr"/>
+          <a:lstStyle/>
+          <a:p>
+            <a:pPr algn="ctr"/>
+            <a:r>
+              <a:rPr lang="en-US" dirty="0">
+                <a:solidFill>
+                  <a:schemeClr val="bg1"/>
+                </a:solidFill>
+              </a:rPr>
+              <a:t>Data Access Layer</a:t>
+            </a:r>
+          </a:p>
+        </p:txBody>
+      </p:sp>
+      <p:sp>
+        <p:nvSpPr>
+          <p:cNvPr id="27" name="Rectangle 26">
+            <a:extLst>
+              <a:ext uri="{FF2B5EF4-FFF2-40B4-BE49-F238E27FC236}">
+                <a16:creationId xmlns:a16="http://schemas.microsoft.com/office/drawing/2014/main" id="{8273D852-2C2E-5848-BCA9-9A54ADCAC9A5}"/>
+              </a:ext>
+            </a:extLst>
+          </p:cNvPr>
+          <p:cNvSpPr/>
+          <p:nvPr/>
+        </p:nvSpPr>
+        <p:spPr>
+          <a:xfrm>
+            <a:off x="423302" y="2700194"/>
+            <a:ext cx="2721808" cy="677818"/>
+          </a:xfrm>
+          <a:prstGeom prst="rect">
+            <a:avLst/>
+          </a:prstGeom>
+          <a:solidFill>
+            <a:schemeClr val="tx1"/>
+          </a:solidFill>
+          <a:ln>
+            <a:solidFill>
+              <a:schemeClr val="bg1"/>
+            </a:solidFill>
+          </a:ln>
+        </p:spPr>
+        <p:style>
+          <a:lnRef idx="2">
+            <a:schemeClr val="accent1">
+              <a:shade val="50000"/>
+            </a:schemeClr>
+          </a:lnRef>
+          <a:fillRef idx="1">
+            <a:schemeClr val="accent1"/>
+          </a:fillRef>
+          <a:effectRef idx="0">
+            <a:schemeClr val="accent1"/>
+          </a:effectRef>
+          <a:fontRef idx="minor">
+            <a:schemeClr val="lt1"/>
+          </a:fontRef>
+        </p:style>
+        <p:txBody>
+          <a:bodyPr rtlCol="0" anchor="ctr"/>
+          <a:lstStyle/>
+          <a:p>
+            <a:pPr algn="ctr"/>
+            <a:r>
+              <a:rPr lang="en-US" dirty="0">
+                <a:solidFill>
+                  <a:schemeClr val="bg1"/>
+                </a:solidFill>
+              </a:rPr>
+              <a:t>REST API</a:t>
+            </a:r>
+          </a:p>
+        </p:txBody>
+      </p:sp>
+      <p:sp>
+        <p:nvSpPr>
+          <p:cNvPr id="37" name="Rectangle 36">
+            <a:extLst>
+              <a:ext uri="{FF2B5EF4-FFF2-40B4-BE49-F238E27FC236}">
+                <a16:creationId xmlns:a16="http://schemas.microsoft.com/office/drawing/2014/main" id="{6B876493-29FC-BD40-B713-76F97684A2BD}"/>
+              </a:ext>
+            </a:extLst>
+          </p:cNvPr>
+          <p:cNvSpPr/>
+          <p:nvPr/>
+        </p:nvSpPr>
+        <p:spPr>
+          <a:xfrm>
+            <a:off x="9922784" y="2615331"/>
+            <a:ext cx="2136648" cy="2194293"/>
+          </a:xfrm>
+          <a:prstGeom prst="rect">
+            <a:avLst/>
+          </a:prstGeom>
+          <a:solidFill>
+            <a:schemeClr val="tx1"/>
+          </a:solidFill>
+          <a:ln>
+            <a:solidFill>
+              <a:schemeClr val="bg1"/>
+            </a:solidFill>
+          </a:ln>
+        </p:spPr>
+        <p:style>
+          <a:lnRef idx="2">
+            <a:schemeClr val="accent1">
+              <a:shade val="50000"/>
+            </a:schemeClr>
+          </a:lnRef>
+          <a:fillRef idx="1">
+            <a:schemeClr val="accent1"/>
+          </a:fillRef>
+          <a:effectRef idx="0">
+            <a:schemeClr val="accent1"/>
+          </a:effectRef>
+          <a:fontRef idx="minor">
+            <a:schemeClr val="lt1"/>
+          </a:fontRef>
+        </p:style>
+        <p:txBody>
+          <a:bodyPr rtlCol="0" anchor="ctr"/>
+          <a:lstStyle/>
+          <a:p>
+            <a:pPr algn="ctr"/>
+            <a:r>
+              <a:rPr lang="en-US" dirty="0">
+                <a:solidFill>
+                  <a:schemeClr val="bg1"/>
+                </a:solidFill>
+              </a:rPr>
+              <a:t>Access Control</a:t>
+            </a:r>
+          </a:p>
+          <a:p>
+            <a:pPr algn="ctr"/>
+            <a:r>
+              <a:rPr lang="en-US" dirty="0">
+                <a:solidFill>
+                  <a:schemeClr val="bg1"/>
+                </a:solidFill>
+              </a:rPr>
+              <a:t>JWT, OAuth</a:t>
+            </a:r>
+          </a:p>
+        </p:txBody>
+      </p:sp>
+      <p:sp>
+        <p:nvSpPr>
+          <p:cNvPr id="39" name="Rectangle 38">
+            <a:extLst>
+              <a:ext uri="{FF2B5EF4-FFF2-40B4-BE49-F238E27FC236}">
+                <a16:creationId xmlns:a16="http://schemas.microsoft.com/office/drawing/2014/main" id="{B6BE9AC5-1D35-2443-93AB-910B3A00F664}"/>
+              </a:ext>
+            </a:extLst>
+          </p:cNvPr>
+          <p:cNvSpPr/>
+          <p:nvPr/>
+        </p:nvSpPr>
+        <p:spPr>
+          <a:xfrm>
+            <a:off x="416698" y="3424142"/>
+            <a:ext cx="2728412" cy="597132"/>
+          </a:xfrm>
+          <a:prstGeom prst="rect">
+            <a:avLst/>
+          </a:prstGeom>
+          <a:solidFill>
+            <a:schemeClr val="tx1"/>
+          </a:solidFill>
+          <a:ln>
+            <a:solidFill>
+              <a:schemeClr val="bg1"/>
+            </a:solidFill>
+          </a:ln>
+        </p:spPr>
+        <p:style>
+          <a:lnRef idx="2">
+            <a:schemeClr val="accent1">
+              <a:shade val="50000"/>
+            </a:schemeClr>
+          </a:lnRef>
+          <a:fillRef idx="1">
+            <a:schemeClr val="accent1"/>
+          </a:fillRef>
+          <a:effectRef idx="0">
+            <a:schemeClr val="accent1"/>
+          </a:effectRef>
+          <a:fontRef idx="minor">
+            <a:schemeClr val="lt1"/>
+          </a:fontRef>
+        </p:style>
+        <p:txBody>
+          <a:bodyPr rtlCol="0" anchor="ctr"/>
+          <a:lstStyle/>
+          <a:p>
+            <a:pPr algn="ctr"/>
+            <a:r>
+              <a:rPr lang="en-US" dirty="0">
+                <a:solidFill>
+                  <a:schemeClr val="bg1"/>
+                </a:solidFill>
+              </a:rPr>
+              <a:t>Business Logic</a:t>
+            </a:r>
+          </a:p>
+        </p:txBody>
+      </p:sp>
+      <p:pic>
+        <p:nvPicPr>
+          <p:cNvPr id="10" name="Picture 9" descr="A close up of a sign&#10;&#10;Description automatically generated">
+            <a:extLst>
+              <a:ext uri="{FF2B5EF4-FFF2-40B4-BE49-F238E27FC236}">
+                <a16:creationId xmlns:a16="http://schemas.microsoft.com/office/drawing/2014/main" id="{94EBD739-D851-D64B-AB29-799DA11284AC}"/>
+              </a:ext>
+            </a:extLst>
+          </p:cNvPr>
+          <p:cNvPicPr>
+            <a:picLocks noChangeAspect="1"/>
+          </p:cNvPicPr>
+          <p:nvPr/>
+        </p:nvPicPr>
+        <p:blipFill>
+          <a:blip r:embed="rId7">
+            <a:extLst>
+              <a:ext uri="{28A0092B-C50C-407E-A947-70E740481C1C}">
+                <a14:useLocalDpi xmlns:a14="http://schemas.microsoft.com/office/drawing/2010/main" val="0"/>
+              </a:ext>
+            </a:extLst>
+          </a:blip>
+          <a:stretch>
+            <a:fillRect/>
+          </a:stretch>
+        </p:blipFill>
+        <p:spPr>
+          <a:xfrm>
+            <a:off x="3447237" y="3174016"/>
+            <a:ext cx="1289234" cy="1097384"/>
+          </a:xfrm>
+          <a:prstGeom prst="rect">
+            <a:avLst/>
+          </a:prstGeom>
+        </p:spPr>
+      </p:pic>
+      <p:sp>
+        <p:nvSpPr>
+          <p:cNvPr id="41" name="Rectangle 40">
+            <a:extLst>
+              <a:ext uri="{FF2B5EF4-FFF2-40B4-BE49-F238E27FC236}">
+                <a16:creationId xmlns:a16="http://schemas.microsoft.com/office/drawing/2014/main" id="{D0D8640D-77E0-1146-B204-3CEBD11DEEDE}"/>
+              </a:ext>
+            </a:extLst>
+          </p:cNvPr>
+          <p:cNvSpPr/>
+          <p:nvPr/>
+        </p:nvSpPr>
+        <p:spPr>
+          <a:xfrm>
+            <a:off x="5121412" y="2615332"/>
+            <a:ext cx="4711955" cy="2194293"/>
+          </a:xfrm>
+          <a:prstGeom prst="rect">
+            <a:avLst/>
+          </a:prstGeom>
+          <a:solidFill>
+            <a:schemeClr val="tx1"/>
+          </a:solidFill>
+        </p:spPr>
+        <p:style>
+          <a:lnRef idx="2">
+            <a:schemeClr val="accent1">
+              <a:shade val="50000"/>
+            </a:schemeClr>
+          </a:lnRef>
+          <a:fillRef idx="1">
+            <a:schemeClr val="accent1"/>
+          </a:fillRef>
+          <a:effectRef idx="0">
+            <a:schemeClr val="accent1"/>
+          </a:effectRef>
+          <a:fontRef idx="minor">
+            <a:schemeClr val="lt1"/>
+          </a:fontRef>
+        </p:style>
+        <p:txBody>
+          <a:bodyPr rtlCol="0" anchor="ctr"/>
+          <a:lstStyle/>
+          <a:p>
+            <a:pPr algn="ctr"/>
+            <a:endParaRPr lang="en-US" dirty="0"/>
+          </a:p>
+        </p:txBody>
+      </p:sp>
+      <p:sp>
+        <p:nvSpPr>
+          <p:cNvPr id="42" name="Rectangle 41">
+            <a:extLst>
+              <a:ext uri="{FF2B5EF4-FFF2-40B4-BE49-F238E27FC236}">
+                <a16:creationId xmlns:a16="http://schemas.microsoft.com/office/drawing/2014/main" id="{9B1C5B76-60E8-EF41-BEEE-8F4CA060ACDE}"/>
+              </a:ext>
+            </a:extLst>
+          </p:cNvPr>
+          <p:cNvSpPr/>
+          <p:nvPr/>
+        </p:nvSpPr>
+        <p:spPr>
+          <a:xfrm>
+            <a:off x="5224674" y="4055461"/>
+            <a:ext cx="2728412" cy="636657"/>
+          </a:xfrm>
+          <a:prstGeom prst="rect">
+            <a:avLst/>
+          </a:prstGeom>
+          <a:solidFill>
+            <a:schemeClr val="tx1"/>
+          </a:solidFill>
+          <a:ln>
+            <a:solidFill>
+              <a:schemeClr val="bg1"/>
+            </a:solidFill>
+          </a:ln>
+        </p:spPr>
+        <p:style>
+          <a:lnRef idx="2">
+            <a:schemeClr val="accent1">
+              <a:shade val="50000"/>
+            </a:schemeClr>
+          </a:lnRef>
+          <a:fillRef idx="1">
+            <a:schemeClr val="accent1"/>
+          </a:fillRef>
+          <a:effectRef idx="0">
+            <a:schemeClr val="accent1"/>
+          </a:effectRef>
+          <a:fontRef idx="minor">
+            <a:schemeClr val="lt1"/>
+          </a:fontRef>
+        </p:style>
+        <p:txBody>
+          <a:bodyPr rtlCol="0" anchor="ctr"/>
+          <a:lstStyle/>
+          <a:p>
+            <a:pPr algn="ctr"/>
+            <a:r>
+              <a:rPr lang="en-US" dirty="0">
+                <a:solidFill>
+                  <a:schemeClr val="bg1"/>
+                </a:solidFill>
+              </a:rPr>
+              <a:t>Data Access Layer</a:t>
+            </a:r>
+          </a:p>
+        </p:txBody>
+      </p:sp>
+      <p:sp>
+        <p:nvSpPr>
+          <p:cNvPr id="43" name="Rectangle 42">
+            <a:extLst>
+              <a:ext uri="{FF2B5EF4-FFF2-40B4-BE49-F238E27FC236}">
+                <a16:creationId xmlns:a16="http://schemas.microsoft.com/office/drawing/2014/main" id="{082770DA-A428-B54F-B527-883DCCF7EE03}"/>
+              </a:ext>
+            </a:extLst>
+          </p:cNvPr>
+          <p:cNvSpPr/>
+          <p:nvPr/>
+        </p:nvSpPr>
+        <p:spPr>
+          <a:xfrm>
+            <a:off x="5224674" y="2696663"/>
+            <a:ext cx="2721808" cy="677818"/>
+          </a:xfrm>
+          <a:prstGeom prst="rect">
+            <a:avLst/>
+          </a:prstGeom>
+          <a:solidFill>
+            <a:schemeClr val="tx1"/>
+          </a:solidFill>
+          <a:ln>
+            <a:solidFill>
+              <a:schemeClr val="bg1"/>
+            </a:solidFill>
+          </a:ln>
+        </p:spPr>
+        <p:style>
+          <a:lnRef idx="2">
+            <a:schemeClr val="accent1">
+              <a:shade val="50000"/>
+            </a:schemeClr>
+          </a:lnRef>
+          <a:fillRef idx="1">
+            <a:schemeClr val="accent1"/>
+          </a:fillRef>
+          <a:effectRef idx="0">
+            <a:schemeClr val="accent1"/>
+          </a:effectRef>
+          <a:fontRef idx="minor">
+            <a:schemeClr val="lt1"/>
+          </a:fontRef>
+        </p:style>
+        <p:txBody>
+          <a:bodyPr rtlCol="0" anchor="ctr"/>
+          <a:lstStyle/>
+          <a:p>
+            <a:pPr algn="ctr"/>
+            <a:r>
+              <a:rPr lang="en-US" dirty="0">
+                <a:solidFill>
+                  <a:schemeClr val="bg1"/>
+                </a:solidFill>
+              </a:rPr>
+              <a:t>REST API</a:t>
+            </a:r>
+          </a:p>
+        </p:txBody>
+      </p:sp>
+      <p:sp>
+        <p:nvSpPr>
+          <p:cNvPr id="44" name="Rectangle 43">
+            <a:extLst>
+              <a:ext uri="{FF2B5EF4-FFF2-40B4-BE49-F238E27FC236}">
+                <a16:creationId xmlns:a16="http://schemas.microsoft.com/office/drawing/2014/main" id="{9BA5FE4D-8A1C-6B40-BC54-4874760E7C1A}"/>
+              </a:ext>
+            </a:extLst>
+          </p:cNvPr>
+          <p:cNvSpPr/>
+          <p:nvPr/>
+        </p:nvSpPr>
+        <p:spPr>
+          <a:xfrm>
+            <a:off x="5218070" y="3420611"/>
+            <a:ext cx="2728412" cy="597132"/>
+          </a:xfrm>
+          <a:prstGeom prst="rect">
+            <a:avLst/>
+          </a:prstGeom>
+          <a:solidFill>
+            <a:schemeClr val="tx1"/>
+          </a:solidFill>
+          <a:ln>
+            <a:solidFill>
+              <a:schemeClr val="bg1"/>
+            </a:solidFill>
+          </a:ln>
+        </p:spPr>
+        <p:style>
+          <a:lnRef idx="2">
+            <a:schemeClr val="accent1">
+              <a:shade val="50000"/>
+            </a:schemeClr>
+          </a:lnRef>
+          <a:fillRef idx="1">
+            <a:schemeClr val="accent1"/>
+          </a:fillRef>
+          <a:effectRef idx="0">
+            <a:schemeClr val="accent1"/>
+          </a:effectRef>
+          <a:fontRef idx="minor">
+            <a:schemeClr val="lt1"/>
+          </a:fontRef>
+        </p:style>
+        <p:txBody>
+          <a:bodyPr rtlCol="0" anchor="ctr"/>
+          <a:lstStyle/>
+          <a:p>
+            <a:pPr algn="ctr"/>
+            <a:r>
+              <a:rPr lang="en-US" dirty="0">
+                <a:solidFill>
+                  <a:schemeClr val="bg1"/>
+                </a:solidFill>
+              </a:rPr>
+              <a:t>Business Logic</a:t>
+            </a:r>
+          </a:p>
+        </p:txBody>
+      </p:sp>
+      <p:pic>
+        <p:nvPicPr>
+          <p:cNvPr id="45" name="Picture 44" descr="A close up of a sign&#10;&#10;Description automatically generated">
+            <a:extLst>
+              <a:ext uri="{FF2B5EF4-FFF2-40B4-BE49-F238E27FC236}">
+                <a16:creationId xmlns:a16="http://schemas.microsoft.com/office/drawing/2014/main" id="{D049F408-C811-8847-8829-40851F9528E6}"/>
+              </a:ext>
+            </a:extLst>
+          </p:cNvPr>
+          <p:cNvPicPr>
+            <a:picLocks noChangeAspect="1"/>
+          </p:cNvPicPr>
+          <p:nvPr/>
+        </p:nvPicPr>
+        <p:blipFill>
+          <a:blip r:embed="rId7">
+            <a:extLst>
+              <a:ext uri="{28A0092B-C50C-407E-A947-70E740481C1C}">
+                <a14:useLocalDpi xmlns:a14="http://schemas.microsoft.com/office/drawing/2010/main" val="0"/>
+              </a:ext>
+            </a:extLst>
+          </a:blip>
+          <a:stretch>
+            <a:fillRect/>
+          </a:stretch>
+        </p:blipFill>
+        <p:spPr>
+          <a:xfrm>
+            <a:off x="8248609" y="3170485"/>
+            <a:ext cx="1289234" cy="1097384"/>
+          </a:xfrm>
+          <a:prstGeom prst="rect">
+            <a:avLst/>
+          </a:prstGeom>
+        </p:spPr>
+      </p:pic>
+      <p:pic>
+        <p:nvPicPr>
+          <p:cNvPr id="12" name="Picture 11">
+            <a:extLst>
+              <a:ext uri="{FF2B5EF4-FFF2-40B4-BE49-F238E27FC236}">
+                <a16:creationId xmlns:a16="http://schemas.microsoft.com/office/drawing/2014/main" id="{640CF250-4525-114A-8190-CAF3D9FC050D}"/>
+              </a:ext>
+            </a:extLst>
+          </p:cNvPr>
+          <p:cNvPicPr>
+            <a:picLocks noChangeAspect="1"/>
+          </p:cNvPicPr>
+          <p:nvPr/>
+        </p:nvPicPr>
+        <p:blipFill>
+          <a:blip r:embed="rId8">
+            <a:extLst>
+              <a:ext uri="{28A0092B-C50C-407E-A947-70E740481C1C}">
+                <a14:useLocalDpi xmlns:a14="http://schemas.microsoft.com/office/drawing/2010/main" val="0"/>
+              </a:ext>
+            </a:extLst>
+          </a:blip>
+          <a:stretch>
+            <a:fillRect/>
+          </a:stretch>
+        </p:blipFill>
+        <p:spPr>
+          <a:xfrm>
+            <a:off x="6262881" y="1223910"/>
+            <a:ext cx="1926712" cy="1084097"/>
+          </a:xfrm>
+          <a:prstGeom prst="rect">
+            <a:avLst/>
+          </a:prstGeom>
+        </p:spPr>
+      </p:pic>
+    </p:spTree>
+    <p:extLst>
+      <p:ext uri="{BB962C8B-B14F-4D97-AF65-F5344CB8AC3E}">
+        <p14:creationId xmlns:p14="http://schemas.microsoft.com/office/powerpoint/2010/main" val="2957436786"/>
+      </p:ext>
+    </p:extLst>
+  </p:cSld>
+  <p:clrMapOvr>
+    <a:masterClrMapping/>
+  </p:clrMapOvr>
+  <mc:AlternateContent xmlns:mc="http://schemas.openxmlformats.org/markup-compatibility/2006" xmlns:p14="http://schemas.microsoft.com/office/powerpoint/2010/main">
+    <mc:Choice Requires="p14">
+      <p:transition spd="med" p14:dur="700">
+        <p:fade/>
+      </p:transition>
+    </mc:Choice>
+    <mc:Fallback xmlns="">
+      <p:transition spd="med">
+        <p:fade/>
+      </p:transition>
+    </mc:Fallback>
+  </mc:AlternateContent>
+</p:sld>
+</file>
+
+<file path=ppt/slides/slide12.xml><?xml version="1.0" encoding="utf-8"?>
+<p:sld xmlns:a="http://schemas.openxmlformats.org/drawingml/2006/main" xmlns:r="http://schemas.openxmlformats.org/officeDocument/2006/relationships" xmlns:p="http://schemas.openxmlformats.org/presentationml/2006/main">
+  <p:cSld>
+    <p:spTree>
+      <p:nvGrpSpPr>
+        <p:cNvPr id="1" name=""/>
+        <p:cNvGrpSpPr/>
+        <p:nvPr/>
+      </p:nvGrpSpPr>
+      <p:grpSpPr>
+        <a:xfrm>
+          <a:off x="0" y="0"/>
+          <a:ext cx="0" cy="0"/>
+          <a:chOff x="0" y="0"/>
+          <a:chExt cx="0" cy="0"/>
+        </a:xfrm>
+      </p:grpSpPr>
+      <p:sp>
+        <p:nvSpPr>
+          <p:cNvPr id="2" name="Title 1"/>
+          <p:cNvSpPr>
+            <a:spLocks noGrp="1"/>
+          </p:cNvSpPr>
+          <p:nvPr>
+            <p:ph type="title"/>
+          </p:nvPr>
+        </p:nvSpPr>
+        <p:spPr/>
+        <p:txBody>
+          <a:bodyPr>
+            <a:noAutofit/>
+          </a:bodyPr>
+          <a:lstStyle/>
+          <a:p>
+            <a:pPr algn="ctr"/>
+            <a:r>
+              <a:rPr lang="en-US" sz="8000" dirty="0">
+                <a:effectLst>
+                  <a:outerShdw blurRad="38100" dist="38100" dir="2700000" algn="tl">
+                    <a:srgbClr val="000000">
+                      <a:alpha val="43137"/>
+                    </a:srgbClr>
+                  </a:outerShdw>
+                </a:effectLst>
+              </a:rPr>
+              <a:t>Thank you!</a:t>
+            </a:r>
+          </a:p>
+        </p:txBody>
+      </p:sp>
+      <p:sp>
+        <p:nvSpPr>
+          <p:cNvPr id="4" name="TextBox 3"/>
+          <p:cNvSpPr txBox="1"/>
+          <p:nvPr/>
+        </p:nvSpPr>
+        <p:spPr>
+          <a:xfrm>
+            <a:off x="680321" y="2338251"/>
+            <a:ext cx="4336869" cy="523220"/>
+          </a:xfrm>
+          <a:prstGeom prst="rect">
+            <a:avLst/>
+          </a:prstGeom>
+          <a:noFill/>
+        </p:spPr>
+        <p:txBody>
+          <a:bodyPr wrap="square" rtlCol="0">
+            <a:spAutoFit/>
+          </a:bodyPr>
+          <a:lstStyle/>
+          <a:p>
+            <a:r>
+              <a:rPr lang="bg-BG" sz="2800" dirty="0">
+                <a:effectLst>
+                  <a:outerShdw blurRad="38100" dist="38100" dir="2700000" algn="tl">
+                    <a:srgbClr val="000000">
+                      <a:alpha val="43137"/>
+                    </a:srgbClr>
+                  </a:outerShdw>
+                </a:effectLst>
+              </a:rPr>
+              <a:t>Контакти</a:t>
+            </a:r>
+            <a:r>
+              <a:rPr lang="en-US" sz="2800" dirty="0">
+                <a:effectLst>
+                  <a:outerShdw blurRad="38100" dist="38100" dir="2700000" algn="tl">
+                    <a:srgbClr val="000000">
+                      <a:alpha val="43137"/>
+                    </a:srgbClr>
+                  </a:outerShdw>
+                </a:effectLst>
+              </a:rPr>
+              <a:t>: </a:t>
+            </a:r>
+          </a:p>
+        </p:txBody>
+      </p:sp>
+      <p:sp>
+        <p:nvSpPr>
+          <p:cNvPr id="5" name="TextBox 4"/>
+          <p:cNvSpPr txBox="1"/>
+          <p:nvPr/>
+        </p:nvSpPr>
+        <p:spPr>
+          <a:xfrm>
+            <a:off x="4407408" y="2338251"/>
+            <a:ext cx="7479792" cy="1200329"/>
+          </a:xfrm>
+          <a:prstGeom prst="rect">
+            <a:avLst/>
+          </a:prstGeom>
+          <a:noFill/>
+        </p:spPr>
+        <p:txBody>
+          <a:bodyPr wrap="square" rtlCol="0">
+            <a:spAutoFit/>
+          </a:bodyPr>
+          <a:lstStyle/>
+          <a:p>
+            <a:r>
+              <a:rPr lang="en-US" sz="2400" dirty="0" err="1">
+                <a:effectLst>
+                  <a:outerShdw blurRad="38100" dist="38100" dir="2700000" algn="tl">
+                    <a:srgbClr val="000000">
+                      <a:alpha val="43137"/>
+                    </a:srgbClr>
+                  </a:outerShdw>
+                </a:effectLst>
+              </a:rPr>
+              <a:t>linkedin.com</a:t>
+            </a:r>
+            <a:r>
+              <a:rPr lang="en-US" sz="2400" dirty="0">
+                <a:effectLst>
+                  <a:outerShdw blurRad="38100" dist="38100" dir="2700000" algn="tl">
+                    <a:srgbClr val="000000">
+                      <a:alpha val="43137"/>
+                    </a:srgbClr>
+                  </a:outerShdw>
+                </a:effectLst>
+              </a:rPr>
+              <a:t>/in/</a:t>
+            </a:r>
+            <a:r>
+              <a:rPr lang="en-US" sz="2400" dirty="0" err="1">
+                <a:effectLst>
+                  <a:outerShdw blurRad="38100" dist="38100" dir="2700000" algn="tl">
+                    <a:srgbClr val="000000">
+                      <a:alpha val="43137"/>
+                    </a:srgbClr>
+                  </a:outerShdw>
+                </a:effectLst>
+              </a:rPr>
+              <a:t>nikolayvasilev</a:t>
+            </a:r>
+            <a:r>
+              <a:rPr lang="en-US" sz="2400" dirty="0">
+                <a:effectLst>
+                  <a:outerShdw blurRad="38100" dist="38100" dir="2700000" algn="tl">
+                    <a:srgbClr val="000000">
+                      <a:alpha val="43137"/>
+                    </a:srgbClr>
+                  </a:outerShdw>
+                </a:effectLst>
+              </a:rPr>
+              <a:t>/</a:t>
+            </a:r>
+          </a:p>
+          <a:p>
+            <a:r>
+              <a:rPr lang="en-US" sz="2400" dirty="0" err="1">
+                <a:effectLst>
+                  <a:outerShdw blurRad="38100" dist="38100" dir="2700000" algn="tl">
+                    <a:srgbClr val="000000">
+                      <a:alpha val="43137"/>
+                    </a:srgbClr>
+                  </a:outerShdw>
+                </a:effectLst>
+              </a:rPr>
+              <a:t>github.com</a:t>
+            </a:r>
+            <a:r>
+              <a:rPr lang="en-US" sz="2400" dirty="0">
+                <a:effectLst>
+                  <a:outerShdw blurRad="38100" dist="38100" dir="2700000" algn="tl">
+                    <a:srgbClr val="000000">
+                      <a:alpha val="43137"/>
+                    </a:srgbClr>
+                  </a:outerShdw>
+                </a:effectLst>
+              </a:rPr>
+              <a:t>/</a:t>
+            </a:r>
+            <a:r>
+              <a:rPr lang="en-US" sz="2400" dirty="0" err="1">
+                <a:effectLst>
+                  <a:outerShdw blurRad="38100" dist="38100" dir="2700000" algn="tl">
+                    <a:srgbClr val="000000">
+                      <a:alpha val="43137"/>
+                    </a:srgbClr>
+                  </a:outerShdw>
+                </a:effectLst>
+              </a:rPr>
+              <a:t>NikolayVasilev</a:t>
+            </a:r>
+            <a:r>
+              <a:rPr lang="en-US" sz="2400" dirty="0">
+                <a:effectLst>
+                  <a:outerShdw blurRad="38100" dist="38100" dir="2700000" algn="tl">
+                    <a:srgbClr val="000000">
+                      <a:alpha val="43137"/>
+                    </a:srgbClr>
+                  </a:outerShdw>
+                </a:effectLst>
+              </a:rPr>
+              <a:t>/</a:t>
+            </a:r>
+            <a:r>
+              <a:rPr lang="en-US" sz="2400" dirty="0" err="1">
+                <a:effectLst>
+                  <a:outerShdw blurRad="38100" dist="38100" dir="2700000" algn="tl">
+                    <a:srgbClr val="000000">
+                      <a:alpha val="43137"/>
+                    </a:srgbClr>
+                  </a:outerShdw>
+                </a:effectLst>
+              </a:rPr>
+              <a:t>DesktopAppsWithWeb</a:t>
+            </a:r>
+            <a:endParaRPr lang="en-US" sz="2400" dirty="0">
+              <a:effectLst>
+                <a:outerShdw blurRad="38100" dist="38100" dir="2700000" algn="tl">
+                  <a:srgbClr val="000000">
+                    <a:alpha val="43137"/>
+                  </a:srgbClr>
+                </a:outerShdw>
+              </a:effectLst>
+            </a:endParaRPr>
+          </a:p>
+          <a:p>
+            <a:r>
+              <a:rPr lang="en-US" sz="2400" dirty="0" err="1">
+                <a:effectLst>
+                  <a:outerShdw blurRad="38100" dist="38100" dir="2700000" algn="tl">
+                    <a:srgbClr val="000000">
+                      <a:alpha val="43137"/>
+                    </a:srgbClr>
+                  </a:outerShdw>
+                </a:effectLst>
+              </a:rPr>
+              <a:t>nvasilev.me</a:t>
+            </a:r>
+            <a:r>
+              <a:rPr lang="en-US" sz="2400" dirty="0">
+                <a:effectLst>
+                  <a:outerShdw blurRad="38100" dist="38100" dir="2700000" algn="tl">
+                    <a:srgbClr val="000000">
+                      <a:alpha val="43137"/>
+                    </a:srgbClr>
+                  </a:outerShdw>
+                </a:effectLst>
+              </a:rPr>
+              <a:t> </a:t>
+            </a:r>
+          </a:p>
+        </p:txBody>
+      </p:sp>
+      <p:sp>
+        <p:nvSpPr>
+          <p:cNvPr id="6" name="TextBox 5"/>
+          <p:cNvSpPr txBox="1"/>
+          <p:nvPr/>
+        </p:nvSpPr>
+        <p:spPr>
+          <a:xfrm>
+            <a:off x="3011639" y="4024207"/>
+            <a:ext cx="4506686" cy="523220"/>
+          </a:xfrm>
+          <a:prstGeom prst="rect">
+            <a:avLst/>
+          </a:prstGeom>
+          <a:noFill/>
+        </p:spPr>
+        <p:txBody>
+          <a:bodyPr wrap="square" rtlCol="0">
+            <a:spAutoFit/>
+          </a:bodyPr>
+          <a:lstStyle/>
+          <a:p>
+            <a:pPr algn="ctr"/>
+            <a:r>
+              <a:rPr lang="bg-BG" sz="2800" i="1" dirty="0">
+                <a:effectLst>
+                  <a:outerShdw blurRad="38100" dist="38100" dir="2700000" algn="tl">
+                    <a:srgbClr val="000000">
+                      <a:alpha val="43137"/>
+                    </a:srgbClr>
+                  </a:outerShdw>
+                </a:effectLst>
+              </a:rPr>
+              <a:t>Следващо събитие</a:t>
+            </a:r>
+            <a:r>
+              <a:rPr lang="en-US" sz="2800" i="1" dirty="0">
+                <a:effectLst>
+                  <a:outerShdw blurRad="38100" dist="38100" dir="2700000" algn="tl">
+                    <a:srgbClr val="000000">
+                      <a:alpha val="43137"/>
+                    </a:srgbClr>
+                  </a:outerShdw>
+                </a:effectLst>
+              </a:rPr>
+              <a:t>: </a:t>
+            </a:r>
+          </a:p>
+        </p:txBody>
+      </p:sp>
+      <p:sp>
+        <p:nvSpPr>
+          <p:cNvPr id="7" name="TextBox 6"/>
+          <p:cNvSpPr txBox="1"/>
+          <p:nvPr/>
+        </p:nvSpPr>
+        <p:spPr>
+          <a:xfrm>
+            <a:off x="680321" y="5033055"/>
+            <a:ext cx="9613861" cy="707886"/>
+          </a:xfrm>
+          <a:prstGeom prst="rect">
+            <a:avLst/>
+          </a:prstGeom>
+          <a:noFill/>
+        </p:spPr>
+        <p:txBody>
+          <a:bodyPr wrap="square" rtlCol="0">
+            <a:spAutoFit/>
+          </a:bodyPr>
+          <a:lstStyle/>
+          <a:p>
+            <a:pPr algn="ctr"/>
+            <a:r>
+              <a:rPr lang="bg-BG" sz="4000" dirty="0">
+                <a:effectLst>
+                  <a:outerShdw blurRad="38100" dist="38100" dir="2700000" algn="tl">
+                    <a:srgbClr val="000000">
+                      <a:alpha val="43137"/>
+                    </a:srgbClr>
+                  </a:outerShdw>
+                </a:effectLst>
+              </a:rPr>
+              <a:t>Заглавие на следващото събитие</a:t>
+            </a:r>
+            <a:endParaRPr lang="en-US" sz="4000" dirty="0">
+              <a:effectLst>
+                <a:outerShdw blurRad="38100" dist="38100" dir="2700000" algn="tl">
+                  <a:srgbClr val="000000">
+                    <a:alpha val="43137"/>
+                  </a:srgbClr>
+                </a:outerShdw>
+              </a:effectLst>
+            </a:endParaRPr>
+          </a:p>
+        </p:txBody>
+      </p:sp>
+    </p:spTree>
+    <p:extLst>
+      <p:ext uri="{BB962C8B-B14F-4D97-AF65-F5344CB8AC3E}">
+        <p14:creationId xmlns:p14="http://schemas.microsoft.com/office/powerpoint/2010/main" val="3510994672"/>
+      </p:ext>
+    </p:extLst>
+  </p:cSld>
+  <p:clrMapOvr>
+    <a:masterClrMapping/>
+  </p:clrMapOvr>
+  <mc:AlternateContent xmlns:mc="http://schemas.openxmlformats.org/markup-compatibility/2006" xmlns:p14="http://schemas.microsoft.com/office/powerpoint/2010/main">
+    <mc:Choice Requires="p14">
+      <p:transition spd="med" p14:dur="700">
+        <p:fade/>
+      </p:transition>
+    </mc:Choice>
+    <mc:Fallback xmlns="">
+      <p:transition spd="med">
+        <p:fade/>
+      </p:transition>
+    </mc:Fallback>
+  </mc:AlternateContent>
+</p:sld>
+</file>
+
 <file path=ppt/slides/slide2.xml><?xml version="1.0" encoding="utf-8"?>
 <p:sld xmlns:a="http://schemas.openxmlformats.org/drawingml/2006/main" xmlns:r="http://schemas.openxmlformats.org/officeDocument/2006/relationships" xmlns:p="http://schemas.openxmlformats.org/presentationml/2006/main">
   <p:cSld>
@@ -7404,17 +9201,25 @@
         <p:spPr/>
         <p:txBody>
           <a:bodyPr>
-            <a:normAutofit fontScale="92500" lnSpcReduction="10000"/>
+            <a:normAutofit/>
           </a:bodyPr>
           <a:lstStyle/>
           <a:p>
             <a:r>
               <a:rPr lang="en-US" dirty="0"/>
+              <a:t>Didn’t finish FMI… </a:t>
+            </a:r>
+            <a:r>
+              <a:rPr lang="bg-BG" dirty="0"/>
+              <a:t>Логическо…</a:t>
+            </a:r>
+            <a:endParaRPr lang="en-US" dirty="0"/>
+          </a:p>
+          <a:p>
+            <a:r>
+              <a:rPr lang="en-US" dirty="0"/>
               <a:t>Started in Telerik around 2011 – WPF and Silverlight</a:t>
             </a:r>
-          </a:p>
-          <a:p>
-            <a:endParaRPr lang="en-US" dirty="0"/>
           </a:p>
           <a:p>
             <a:r>
@@ -7427,9 +9232,6 @@
             </a:r>
           </a:p>
           <a:p>
-            <a:endParaRPr lang="en-US" dirty="0"/>
-          </a:p>
-          <a:p>
             <a:r>
               <a:rPr lang="en-US" dirty="0"/>
               <a:t>Started </a:t>
@@ -7468,10 +9270,6 @@
               <a:rPr lang="en-US" dirty="0"/>
               <a:t> the company…</a:t>
             </a:r>
-          </a:p>
-          <a:p>
-            <a:pPr lvl="1"/>
-            <a:endParaRPr lang="en-US" dirty="0"/>
           </a:p>
           <a:p>
             <a:r>
@@ -10120,7 +11918,13 @@
       </p:grpSpPr>
       <p:sp>
         <p:nvSpPr>
-          <p:cNvPr id="2" name="Title 1"/>
+          <p:cNvPr id="2" name="Title 1">
+            <a:extLst>
+              <a:ext uri="{FF2B5EF4-FFF2-40B4-BE49-F238E27FC236}">
+                <a16:creationId xmlns:a16="http://schemas.microsoft.com/office/drawing/2014/main" id="{EC0B52B9-E82A-4A4C-9013-3C9A17F74CDE}"/>
+              </a:ext>
+            </a:extLst>
+          </p:cNvPr>
           <p:cNvSpPr>
             <a:spLocks noGrp="1"/>
           </p:cNvSpPr>
@@ -10130,37 +11934,1224 @@
         </p:nvSpPr>
         <p:spPr/>
         <p:txBody>
+          <a:bodyPr/>
+          <a:lstStyle/>
+          <a:p>
+            <a:r>
+              <a:rPr lang="en-US" dirty="0"/>
+              <a:t>What happens when you have to extend?</a:t>
+            </a:r>
+          </a:p>
+        </p:txBody>
+      </p:sp>
+      <p:pic>
+        <p:nvPicPr>
+          <p:cNvPr id="4" name="Picture 3" descr="A picture containing fire, smoke, tree, nature&#10;&#10;Description automatically generated">
+            <a:extLst>
+              <a:ext uri="{FF2B5EF4-FFF2-40B4-BE49-F238E27FC236}">
+                <a16:creationId xmlns:a16="http://schemas.microsoft.com/office/drawing/2014/main" id="{FEFB33E5-D467-E64A-8960-375DDF55F64B}"/>
+              </a:ext>
+            </a:extLst>
+          </p:cNvPr>
+          <p:cNvPicPr>
+            <a:picLocks noChangeAspect="1"/>
+          </p:cNvPicPr>
+          <p:nvPr/>
+        </p:nvPicPr>
+        <p:blipFill>
+          <a:blip r:embed="rId2">
+            <a:extLst>
+              <a:ext uri="{28A0092B-C50C-407E-A947-70E740481C1C}">
+                <a14:useLocalDpi xmlns:a14="http://schemas.microsoft.com/office/drawing/2010/main" val="0"/>
+              </a:ext>
+            </a:extLst>
+          </a:blip>
+          <a:stretch>
+            <a:fillRect/>
+          </a:stretch>
+        </p:blipFill>
+        <p:spPr>
+          <a:xfrm>
+            <a:off x="2626360" y="2192844"/>
+            <a:ext cx="6554216" cy="3686747"/>
+          </a:xfrm>
+          <a:prstGeom prst="rect">
+            <a:avLst/>
+          </a:prstGeom>
+        </p:spPr>
+      </p:pic>
+    </p:spTree>
+    <p:extLst>
+      <p:ext uri="{BB962C8B-B14F-4D97-AF65-F5344CB8AC3E}">
+        <p14:creationId xmlns:p14="http://schemas.microsoft.com/office/powerpoint/2010/main" val="1938376844"/>
+      </p:ext>
+    </p:extLst>
+  </p:cSld>
+  <p:clrMapOvr>
+    <a:masterClrMapping/>
+  </p:clrMapOvr>
+  <mc:AlternateContent xmlns:mc="http://schemas.openxmlformats.org/markup-compatibility/2006" xmlns:p14="http://schemas.microsoft.com/office/powerpoint/2010/main">
+    <mc:Choice Requires="p14">
+      <p:transition spd="med" p14:dur="700">
+        <p:fade/>
+      </p:transition>
+    </mc:Choice>
+    <mc:Fallback xmlns="">
+      <p:transition spd="med">
+        <p:fade/>
+      </p:transition>
+    </mc:Fallback>
+  </mc:AlternateContent>
+</p:sld>
+</file>
+
+<file path=ppt/slides/slide7.xml><?xml version="1.0" encoding="utf-8"?>
+<p:sld xmlns:a="http://schemas.openxmlformats.org/drawingml/2006/main" xmlns:r="http://schemas.openxmlformats.org/officeDocument/2006/relationships" xmlns:p="http://schemas.openxmlformats.org/presentationml/2006/main">
+  <p:cSld>
+    <p:spTree>
+      <p:nvGrpSpPr>
+        <p:cNvPr id="1" name=""/>
+        <p:cNvGrpSpPr/>
+        <p:nvPr/>
+      </p:nvGrpSpPr>
+      <p:grpSpPr>
+        <a:xfrm>
+          <a:off x="0" y="0"/>
+          <a:ext cx="0" cy="0"/>
+          <a:chOff x="0" y="0"/>
+          <a:chExt cx="0" cy="0"/>
+        </a:xfrm>
+      </p:grpSpPr>
+      <p:sp>
+        <p:nvSpPr>
+          <p:cNvPr id="3" name="Title 2">
+            <a:extLst>
+              <a:ext uri="{FF2B5EF4-FFF2-40B4-BE49-F238E27FC236}">
+                <a16:creationId xmlns:a16="http://schemas.microsoft.com/office/drawing/2014/main" id="{CF7612A0-F250-C949-97AE-94E9849CE029}"/>
+              </a:ext>
+            </a:extLst>
+          </p:cNvPr>
+          <p:cNvSpPr>
+            <a:spLocks noGrp="1"/>
+          </p:cNvSpPr>
+          <p:nvPr>
+            <p:ph type="title"/>
+          </p:nvPr>
+        </p:nvSpPr>
+        <p:spPr/>
+        <p:txBody>
+          <a:bodyPr/>
+          <a:lstStyle/>
+          <a:p>
+            <a:r>
+              <a:rPr lang="en-US" dirty="0"/>
+              <a:t>Problems</a:t>
+            </a:r>
+          </a:p>
+        </p:txBody>
+      </p:sp>
+      <p:sp>
+        <p:nvSpPr>
+          <p:cNvPr id="4" name="Content Placeholder 3">
+            <a:extLst>
+              <a:ext uri="{FF2B5EF4-FFF2-40B4-BE49-F238E27FC236}">
+                <a16:creationId xmlns:a16="http://schemas.microsoft.com/office/drawing/2014/main" id="{FF7B0471-0E1A-1144-8FB9-8E6821130BD5}"/>
+              </a:ext>
+            </a:extLst>
+          </p:cNvPr>
+          <p:cNvSpPr>
+            <a:spLocks noGrp="1"/>
+          </p:cNvSpPr>
+          <p:nvPr>
+            <p:ph idx="1"/>
+          </p:nvPr>
+        </p:nvSpPr>
+        <p:spPr>
+          <a:xfrm>
+            <a:off x="680321" y="2336873"/>
+            <a:ext cx="11511679" cy="3599316"/>
+          </a:xfrm>
+        </p:spPr>
+        <p:txBody>
           <a:bodyPr>
-            <a:noAutofit/>
+            <a:normAutofit fontScale="92500"/>
           </a:bodyPr>
           <a:lstStyle/>
           <a:p>
+            <a:r>
+              <a:rPr lang="en-US" sz="3200" dirty="0"/>
+              <a:t>DB and Desktop app are hosted on the same machine</a:t>
+            </a:r>
+          </a:p>
+          <a:p>
+            <a:endParaRPr lang="en-US" sz="3200" dirty="0"/>
+          </a:p>
+          <a:p>
+            <a:r>
+              <a:rPr lang="en-US" sz="3200" dirty="0"/>
+              <a:t>Different Data Access chains from different UIs</a:t>
+            </a:r>
+          </a:p>
+          <a:p>
+            <a:pPr lvl="1"/>
+            <a:r>
+              <a:rPr lang="en-US" sz="2800" dirty="0"/>
+              <a:t>REST API for Web and mobile based modules</a:t>
+            </a:r>
+          </a:p>
+          <a:p>
+            <a:pPr lvl="1"/>
+            <a:r>
+              <a:rPr lang="en-US" sz="2800" dirty="0"/>
+              <a:t>Direct DAL access for Desktop</a:t>
+            </a:r>
+          </a:p>
+          <a:p>
+            <a:endParaRPr lang="en-US" sz="3200" dirty="0"/>
+          </a:p>
+          <a:p>
+            <a:r>
+              <a:rPr lang="en-US" sz="3200" dirty="0"/>
+              <a:t>I’m sure there are many more, but should be enough to rethink.</a:t>
+            </a:r>
+          </a:p>
+        </p:txBody>
+      </p:sp>
+    </p:spTree>
+    <p:extLst>
+      <p:ext uri="{BB962C8B-B14F-4D97-AF65-F5344CB8AC3E}">
+        <p14:creationId xmlns:p14="http://schemas.microsoft.com/office/powerpoint/2010/main" val="3605941181"/>
+      </p:ext>
+    </p:extLst>
+  </p:cSld>
+  <p:clrMapOvr>
+    <a:masterClrMapping/>
+  </p:clrMapOvr>
+  <mc:AlternateContent xmlns:mc="http://schemas.openxmlformats.org/markup-compatibility/2006" xmlns:p14="http://schemas.microsoft.com/office/powerpoint/2010/main">
+    <mc:Choice Requires="p14">
+      <p:transition spd="med" p14:dur="700">
+        <p:fade/>
+      </p:transition>
+    </mc:Choice>
+    <mc:Fallback xmlns="">
+      <p:transition spd="med">
+        <p:fade/>
+      </p:transition>
+    </mc:Fallback>
+  </mc:AlternateContent>
+</p:sld>
+</file>
+
+<file path=ppt/slides/slide8.xml><?xml version="1.0" encoding="utf-8"?>
+<p:sld xmlns:a="http://schemas.openxmlformats.org/drawingml/2006/main" xmlns:r="http://schemas.openxmlformats.org/officeDocument/2006/relationships" xmlns:p="http://schemas.openxmlformats.org/presentationml/2006/main">
+  <p:cSld>
+    <p:spTree>
+      <p:nvGrpSpPr>
+        <p:cNvPr id="1" name=""/>
+        <p:cNvGrpSpPr/>
+        <p:nvPr/>
+      </p:nvGrpSpPr>
+      <p:grpSpPr>
+        <a:xfrm>
+          <a:off x="0" y="0"/>
+          <a:ext cx="0" cy="0"/>
+          <a:chOff x="0" y="0"/>
+          <a:chExt cx="0" cy="0"/>
+        </a:xfrm>
+      </p:grpSpPr>
+      <p:sp>
+        <p:nvSpPr>
+          <p:cNvPr id="4" name="Title 3">
+            <a:extLst>
+              <a:ext uri="{FF2B5EF4-FFF2-40B4-BE49-F238E27FC236}">
+                <a16:creationId xmlns:a16="http://schemas.microsoft.com/office/drawing/2014/main" id="{19313320-2478-EF43-9E1E-7CEA3CDFCD83}"/>
+              </a:ext>
+            </a:extLst>
+          </p:cNvPr>
+          <p:cNvSpPr>
+            <a:spLocks noGrp="1"/>
+          </p:cNvSpPr>
+          <p:nvPr>
+            <p:ph type="title"/>
+          </p:nvPr>
+        </p:nvSpPr>
+        <p:spPr/>
+        <p:txBody>
+          <a:bodyPr>
+            <a:normAutofit/>
+          </a:bodyPr>
+          <a:lstStyle/>
+          <a:p>
+            <a:r>
+              <a:rPr lang="en-US" sz="5400" dirty="0"/>
+              <a:t>Solution?</a:t>
+            </a:r>
+          </a:p>
+        </p:txBody>
+      </p:sp>
+      <p:sp>
+        <p:nvSpPr>
+          <p:cNvPr id="5" name="Text Placeholder 4">
+            <a:extLst>
+              <a:ext uri="{FF2B5EF4-FFF2-40B4-BE49-F238E27FC236}">
+                <a16:creationId xmlns:a16="http://schemas.microsoft.com/office/drawing/2014/main" id="{24049BB4-2F9E-8B44-A34D-88E4298D0FE9}"/>
+              </a:ext>
+            </a:extLst>
+          </p:cNvPr>
+          <p:cNvSpPr>
+            <a:spLocks noGrp="1"/>
+          </p:cNvSpPr>
+          <p:nvPr>
+            <p:ph type="body" idx="1"/>
+          </p:nvPr>
+        </p:nvSpPr>
+        <p:spPr/>
+        <p:txBody>
+          <a:bodyPr/>
+          <a:lstStyle/>
+          <a:p>
+            <a:endParaRPr lang="en-US" dirty="0"/>
+          </a:p>
+        </p:txBody>
+      </p:sp>
+    </p:spTree>
+    <p:extLst>
+      <p:ext uri="{BB962C8B-B14F-4D97-AF65-F5344CB8AC3E}">
+        <p14:creationId xmlns:p14="http://schemas.microsoft.com/office/powerpoint/2010/main" val="4288045389"/>
+      </p:ext>
+    </p:extLst>
+  </p:cSld>
+  <p:clrMapOvr>
+    <a:masterClrMapping/>
+  </p:clrMapOvr>
+  <mc:AlternateContent xmlns:mc="http://schemas.openxmlformats.org/markup-compatibility/2006" xmlns:p14="http://schemas.microsoft.com/office/powerpoint/2010/main">
+    <mc:Choice Requires="p14">
+      <p:transition spd="med" p14:dur="700">
+        <p:fade/>
+      </p:transition>
+    </mc:Choice>
+    <mc:Fallback xmlns="">
+      <p:transition spd="med">
+        <p:fade/>
+      </p:transition>
+    </mc:Fallback>
+  </mc:AlternateContent>
+</p:sld>
+</file>
+
+<file path=ppt/slides/slide9.xml><?xml version="1.0" encoding="utf-8"?>
+<p:sld xmlns:a="http://schemas.openxmlformats.org/drawingml/2006/main" xmlns:r="http://schemas.openxmlformats.org/officeDocument/2006/relationships" xmlns:p="http://schemas.openxmlformats.org/presentationml/2006/main">
+  <p:cSld>
+    <p:spTree>
+      <p:nvGrpSpPr>
+        <p:cNvPr id="1" name=""/>
+        <p:cNvGrpSpPr/>
+        <p:nvPr/>
+      </p:nvGrpSpPr>
+      <p:grpSpPr>
+        <a:xfrm>
+          <a:off x="0" y="0"/>
+          <a:ext cx="0" cy="0"/>
+          <a:chOff x="0" y="0"/>
+          <a:chExt cx="0" cy="0"/>
+        </a:xfrm>
+      </p:grpSpPr>
+      <p:sp>
+        <p:nvSpPr>
+          <p:cNvPr id="2" name="Title 1">
+            <a:extLst>
+              <a:ext uri="{FF2B5EF4-FFF2-40B4-BE49-F238E27FC236}">
+                <a16:creationId xmlns:a16="http://schemas.microsoft.com/office/drawing/2014/main" id="{1BF83948-1EBA-814F-832A-BA850D944E40}"/>
+              </a:ext>
+            </a:extLst>
+          </p:cNvPr>
+          <p:cNvSpPr>
+            <a:spLocks noGrp="1"/>
+          </p:cNvSpPr>
+          <p:nvPr>
+            <p:ph type="title" idx="4294967295"/>
+          </p:nvPr>
+        </p:nvSpPr>
+        <p:spPr>
+          <a:xfrm>
+            <a:off x="320040" y="45090"/>
+            <a:ext cx="9613900" cy="1081088"/>
+          </a:xfrm>
+        </p:spPr>
+        <p:txBody>
+          <a:bodyPr/>
+          <a:lstStyle/>
+          <a:p>
+            <a:r>
+              <a:rPr lang="en-US" dirty="0"/>
+              <a:t>How I would do it, if I could do it over again…</a:t>
+            </a:r>
+          </a:p>
+        </p:txBody>
+      </p:sp>
+      <p:sp>
+        <p:nvSpPr>
+          <p:cNvPr id="6" name="Rectangle 5">
+            <a:extLst>
+              <a:ext uri="{FF2B5EF4-FFF2-40B4-BE49-F238E27FC236}">
+                <a16:creationId xmlns:a16="http://schemas.microsoft.com/office/drawing/2014/main" id="{53B3F239-BEFD-784A-8D7B-47EEFE3AF2D9}"/>
+              </a:ext>
+            </a:extLst>
+          </p:cNvPr>
+          <p:cNvSpPr/>
+          <p:nvPr/>
+        </p:nvSpPr>
+        <p:spPr>
+          <a:xfrm>
+            <a:off x="320040" y="4841979"/>
+            <a:ext cx="11320272" cy="1176869"/>
+          </a:xfrm>
+          <a:prstGeom prst="rect">
+            <a:avLst/>
+          </a:prstGeom>
+          <a:solidFill>
+            <a:schemeClr val="tx1"/>
+          </a:solidFill>
+          <a:ln>
+            <a:solidFill>
+              <a:schemeClr val="bg1"/>
+            </a:solidFill>
+          </a:ln>
+        </p:spPr>
+        <p:style>
+          <a:lnRef idx="2">
+            <a:schemeClr val="accent1">
+              <a:shade val="50000"/>
+            </a:schemeClr>
+          </a:lnRef>
+          <a:fillRef idx="1">
+            <a:schemeClr val="accent1"/>
+          </a:fillRef>
+          <a:effectRef idx="0">
+            <a:schemeClr val="accent1"/>
+          </a:effectRef>
+          <a:fontRef idx="minor">
+            <a:schemeClr val="lt1"/>
+          </a:fontRef>
+        </p:style>
+        <p:txBody>
+          <a:bodyPr rtlCol="0" anchor="ctr"/>
+          <a:lstStyle/>
+          <a:p>
             <a:pPr algn="ctr"/>
             <a:r>
-              <a:rPr lang="en-US" sz="8000" dirty="0">
-                <a:effectLst>
-                  <a:outerShdw blurRad="38100" dist="38100" dir="2700000" algn="tl">
-                    <a:srgbClr val="000000">
-                      <a:alpha val="43137"/>
-                    </a:srgbClr>
-                  </a:outerShdw>
-                </a:effectLst>
+              <a:rPr lang="en-US" dirty="0">
+                <a:solidFill>
+                  <a:schemeClr val="bg1"/>
+                </a:solidFill>
               </a:rPr>
-              <a:t>Thank you!</a:t>
-            </a:r>
-          </a:p>
-        </p:txBody>
-      </p:sp>
-      <p:sp>
-        <p:nvSpPr>
-          <p:cNvPr id="4" name="TextBox 3"/>
+              <a:t>Database</a:t>
+            </a:r>
+          </a:p>
+        </p:txBody>
+      </p:sp>
+      <p:pic>
+        <p:nvPicPr>
+          <p:cNvPr id="8" name="Picture 7">
+            <a:extLst>
+              <a:ext uri="{FF2B5EF4-FFF2-40B4-BE49-F238E27FC236}">
+                <a16:creationId xmlns:a16="http://schemas.microsoft.com/office/drawing/2014/main" id="{365CA751-E018-0C44-95CD-B542C7D9CAEC}"/>
+              </a:ext>
+            </a:extLst>
+          </p:cNvPr>
+          <p:cNvPicPr>
+            <a:picLocks noChangeAspect="1"/>
+          </p:cNvPicPr>
+          <p:nvPr/>
+        </p:nvPicPr>
+        <p:blipFill>
+          <a:blip r:embed="rId2">
+            <a:extLst>
+              <a:ext uri="{28A0092B-C50C-407E-A947-70E740481C1C}">
+                <a14:useLocalDpi xmlns:a14="http://schemas.microsoft.com/office/drawing/2010/main" val="0"/>
+              </a:ext>
+            </a:extLst>
+          </a:blip>
+          <a:stretch>
+            <a:fillRect/>
+          </a:stretch>
+        </p:blipFill>
+        <p:spPr>
+          <a:xfrm>
+            <a:off x="4598387" y="5059184"/>
+            <a:ext cx="791972" cy="791972"/>
+          </a:xfrm>
+          <a:prstGeom prst="rect">
+            <a:avLst/>
+          </a:prstGeom>
+        </p:spPr>
+      </p:pic>
+      <p:sp>
+        <p:nvSpPr>
+          <p:cNvPr id="9" name="Rectangle 8">
+            <a:extLst>
+              <a:ext uri="{FF2B5EF4-FFF2-40B4-BE49-F238E27FC236}">
+                <a16:creationId xmlns:a16="http://schemas.microsoft.com/office/drawing/2014/main" id="{7BBC1D8E-4F06-1241-87F2-2F0CC3F99129}"/>
+              </a:ext>
+            </a:extLst>
+          </p:cNvPr>
+          <p:cNvSpPr/>
+          <p:nvPr/>
+        </p:nvSpPr>
+        <p:spPr>
+          <a:xfrm>
+            <a:off x="320040" y="4160864"/>
+            <a:ext cx="11320272" cy="609764"/>
+          </a:xfrm>
+          <a:prstGeom prst="rect">
+            <a:avLst/>
+          </a:prstGeom>
+          <a:solidFill>
+            <a:schemeClr val="tx1"/>
+          </a:solidFill>
+          <a:ln>
+            <a:solidFill>
+              <a:schemeClr val="bg1"/>
+            </a:solidFill>
+          </a:ln>
+        </p:spPr>
+        <p:style>
+          <a:lnRef idx="2">
+            <a:schemeClr val="accent1">
+              <a:shade val="50000"/>
+            </a:schemeClr>
+          </a:lnRef>
+          <a:fillRef idx="1">
+            <a:schemeClr val="accent1"/>
+          </a:fillRef>
+          <a:effectRef idx="0">
+            <a:schemeClr val="accent1"/>
+          </a:effectRef>
+          <a:fontRef idx="minor">
+            <a:schemeClr val="lt1"/>
+          </a:fontRef>
+        </p:style>
+        <p:txBody>
+          <a:bodyPr rtlCol="0" anchor="ctr"/>
+          <a:lstStyle/>
+          <a:p>
+            <a:pPr algn="ctr"/>
+            <a:r>
+              <a:rPr lang="en-US" dirty="0">
+                <a:solidFill>
+                  <a:schemeClr val="bg1"/>
+                </a:solidFill>
+              </a:rPr>
+              <a:t>Data Access Layer</a:t>
+            </a:r>
+          </a:p>
+        </p:txBody>
+      </p:sp>
+      <p:sp>
+        <p:nvSpPr>
+          <p:cNvPr id="15" name="Rectangle 14">
+            <a:extLst>
+              <a:ext uri="{FF2B5EF4-FFF2-40B4-BE49-F238E27FC236}">
+                <a16:creationId xmlns:a16="http://schemas.microsoft.com/office/drawing/2014/main" id="{E078E17B-5FA3-3740-A430-BF9E62031BDC}"/>
+              </a:ext>
+            </a:extLst>
+          </p:cNvPr>
+          <p:cNvSpPr/>
+          <p:nvPr/>
+        </p:nvSpPr>
+        <p:spPr>
+          <a:xfrm>
+            <a:off x="320040" y="1242833"/>
+            <a:ext cx="2017776" cy="1485658"/>
+          </a:xfrm>
+          <a:prstGeom prst="rect">
+            <a:avLst/>
+          </a:prstGeom>
+          <a:solidFill>
+            <a:schemeClr val="tx1"/>
+          </a:solidFill>
+          <a:ln>
+            <a:solidFill>
+              <a:schemeClr val="bg1"/>
+            </a:solidFill>
+          </a:ln>
+        </p:spPr>
+        <p:style>
+          <a:lnRef idx="2">
+            <a:schemeClr val="accent1">
+              <a:shade val="50000"/>
+            </a:schemeClr>
+          </a:lnRef>
+          <a:fillRef idx="1">
+            <a:schemeClr val="accent1"/>
+          </a:fillRef>
+          <a:effectRef idx="0">
+            <a:schemeClr val="accent1"/>
+          </a:effectRef>
+          <a:fontRef idx="minor">
+            <a:schemeClr val="lt1"/>
+          </a:fontRef>
+        </p:style>
+        <p:txBody>
+          <a:bodyPr rtlCol="0" anchor="ctr"/>
+          <a:lstStyle/>
+          <a:p>
+            <a:pPr algn="ctr"/>
+            <a:endParaRPr lang="en-US" dirty="0">
+              <a:solidFill>
+                <a:schemeClr val="bg1"/>
+              </a:solidFill>
+            </a:endParaRPr>
+          </a:p>
+        </p:txBody>
+      </p:sp>
+      <p:sp>
+        <p:nvSpPr>
+          <p:cNvPr id="23" name="Rectangle 22">
+            <a:extLst>
+              <a:ext uri="{FF2B5EF4-FFF2-40B4-BE49-F238E27FC236}">
+                <a16:creationId xmlns:a16="http://schemas.microsoft.com/office/drawing/2014/main" id="{C4126941-DA05-304F-86D9-E57DB0DF7661}"/>
+              </a:ext>
+            </a:extLst>
+          </p:cNvPr>
+          <p:cNvSpPr/>
+          <p:nvPr/>
+        </p:nvSpPr>
+        <p:spPr>
+          <a:xfrm>
+            <a:off x="320040" y="2803805"/>
+            <a:ext cx="8120380" cy="649186"/>
+          </a:xfrm>
+          <a:prstGeom prst="rect">
+            <a:avLst/>
+          </a:prstGeom>
+          <a:solidFill>
+            <a:schemeClr val="tx1"/>
+          </a:solidFill>
+          <a:ln>
+            <a:solidFill>
+              <a:schemeClr val="bg1"/>
+            </a:solidFill>
+          </a:ln>
+        </p:spPr>
+        <p:style>
+          <a:lnRef idx="2">
+            <a:schemeClr val="accent1">
+              <a:shade val="50000"/>
+            </a:schemeClr>
+          </a:lnRef>
+          <a:fillRef idx="1">
+            <a:schemeClr val="accent1"/>
+          </a:fillRef>
+          <a:effectRef idx="0">
+            <a:schemeClr val="accent1"/>
+          </a:effectRef>
+          <a:fontRef idx="minor">
+            <a:schemeClr val="lt1"/>
+          </a:fontRef>
+        </p:style>
+        <p:txBody>
+          <a:bodyPr rtlCol="0" anchor="ctr"/>
+          <a:lstStyle/>
+          <a:p>
+            <a:pPr algn="ctr"/>
+            <a:r>
+              <a:rPr lang="en-US" dirty="0">
+                <a:solidFill>
+                  <a:schemeClr val="bg1"/>
+                </a:solidFill>
+              </a:rPr>
+              <a:t>REST API</a:t>
+            </a:r>
+          </a:p>
+        </p:txBody>
+      </p:sp>
+      <p:sp>
+        <p:nvSpPr>
+          <p:cNvPr id="24" name="Rectangle 23">
+            <a:extLst>
+              <a:ext uri="{FF2B5EF4-FFF2-40B4-BE49-F238E27FC236}">
+                <a16:creationId xmlns:a16="http://schemas.microsoft.com/office/drawing/2014/main" id="{70D2BAD7-DA08-9046-948D-D0D791F95784}"/>
+              </a:ext>
+            </a:extLst>
+          </p:cNvPr>
+          <p:cNvSpPr/>
+          <p:nvPr/>
+        </p:nvSpPr>
+        <p:spPr>
+          <a:xfrm>
+            <a:off x="4812792" y="1245641"/>
+            <a:ext cx="2136648" cy="1485658"/>
+          </a:xfrm>
+          <a:prstGeom prst="rect">
+            <a:avLst/>
+          </a:prstGeom>
+          <a:solidFill>
+            <a:schemeClr val="tx1"/>
+          </a:solidFill>
+          <a:ln>
+            <a:solidFill>
+              <a:schemeClr val="bg1"/>
+            </a:solidFill>
+          </a:ln>
+        </p:spPr>
+        <p:style>
+          <a:lnRef idx="2">
+            <a:schemeClr val="accent1">
+              <a:shade val="50000"/>
+            </a:schemeClr>
+          </a:lnRef>
+          <a:fillRef idx="1">
+            <a:schemeClr val="accent1"/>
+          </a:fillRef>
+          <a:effectRef idx="0">
+            <a:schemeClr val="accent1"/>
+          </a:effectRef>
+          <a:fontRef idx="minor">
+            <a:schemeClr val="lt1"/>
+          </a:fontRef>
+        </p:style>
+        <p:txBody>
+          <a:bodyPr rtlCol="0" anchor="ctr"/>
+          <a:lstStyle/>
+          <a:p>
+            <a:pPr algn="ctr"/>
+            <a:endParaRPr lang="en-US" dirty="0">
+              <a:solidFill>
+                <a:schemeClr val="bg1"/>
+              </a:solidFill>
+            </a:endParaRPr>
+          </a:p>
+        </p:txBody>
+      </p:sp>
+      <p:sp>
+        <p:nvSpPr>
+          <p:cNvPr id="25" name="Rectangle 24">
+            <a:extLst>
+              <a:ext uri="{FF2B5EF4-FFF2-40B4-BE49-F238E27FC236}">
+                <a16:creationId xmlns:a16="http://schemas.microsoft.com/office/drawing/2014/main" id="{9ACD1D1A-51FA-1A48-83FB-3285943DB7CE}"/>
+              </a:ext>
+            </a:extLst>
+          </p:cNvPr>
+          <p:cNvSpPr/>
+          <p:nvPr/>
+        </p:nvSpPr>
+        <p:spPr>
+          <a:xfrm>
+            <a:off x="7053072" y="1251900"/>
+            <a:ext cx="2017776" cy="1485658"/>
+          </a:xfrm>
+          <a:prstGeom prst="rect">
+            <a:avLst/>
+          </a:prstGeom>
+          <a:solidFill>
+            <a:schemeClr val="tx1"/>
+          </a:solidFill>
+          <a:ln>
+            <a:solidFill>
+              <a:schemeClr val="bg1"/>
+            </a:solidFill>
+          </a:ln>
+        </p:spPr>
+        <p:style>
+          <a:lnRef idx="2">
+            <a:schemeClr val="accent1">
+              <a:shade val="50000"/>
+            </a:schemeClr>
+          </a:lnRef>
+          <a:fillRef idx="1">
+            <a:schemeClr val="accent1"/>
+          </a:fillRef>
+          <a:effectRef idx="0">
+            <a:schemeClr val="accent1"/>
+          </a:effectRef>
+          <a:fontRef idx="minor">
+            <a:schemeClr val="lt1"/>
+          </a:fontRef>
+        </p:style>
+        <p:txBody>
+          <a:bodyPr rtlCol="0" anchor="ctr"/>
+          <a:lstStyle/>
+          <a:p>
+            <a:pPr algn="ctr"/>
+            <a:r>
+              <a:rPr lang="en-US" dirty="0">
+                <a:solidFill>
+                  <a:schemeClr val="bg1"/>
+                </a:solidFill>
+              </a:rPr>
+              <a:t>Whatever Module</a:t>
+            </a:r>
+          </a:p>
+        </p:txBody>
+      </p:sp>
+      <p:sp>
+        <p:nvSpPr>
+          <p:cNvPr id="28" name="Rectangle 27">
+            <a:extLst>
+              <a:ext uri="{FF2B5EF4-FFF2-40B4-BE49-F238E27FC236}">
+                <a16:creationId xmlns:a16="http://schemas.microsoft.com/office/drawing/2014/main" id="{603CA055-A062-FA48-9C56-13FFE61D2EE7}"/>
+              </a:ext>
+            </a:extLst>
+          </p:cNvPr>
+          <p:cNvSpPr/>
+          <p:nvPr/>
+        </p:nvSpPr>
+        <p:spPr>
+          <a:xfrm>
+            <a:off x="2441448" y="1242833"/>
+            <a:ext cx="2267712" cy="1485658"/>
+          </a:xfrm>
+          <a:prstGeom prst="rect">
+            <a:avLst/>
+          </a:prstGeom>
+          <a:solidFill>
+            <a:schemeClr val="tx1"/>
+          </a:solidFill>
+          <a:ln>
+            <a:solidFill>
+              <a:schemeClr val="bg1"/>
+            </a:solidFill>
+          </a:ln>
+        </p:spPr>
+        <p:style>
+          <a:lnRef idx="2">
+            <a:schemeClr val="accent1">
+              <a:shade val="50000"/>
+            </a:schemeClr>
+          </a:lnRef>
+          <a:fillRef idx="1">
+            <a:schemeClr val="accent1"/>
+          </a:fillRef>
+          <a:effectRef idx="0">
+            <a:schemeClr val="accent1"/>
+          </a:effectRef>
+          <a:fontRef idx="minor">
+            <a:schemeClr val="lt1"/>
+          </a:fontRef>
+        </p:style>
+        <p:txBody>
+          <a:bodyPr rtlCol="0" anchor="ctr"/>
+          <a:lstStyle/>
+          <a:p>
+            <a:pPr algn="ctr"/>
+            <a:endParaRPr lang="en-US" dirty="0">
+              <a:solidFill>
+                <a:schemeClr val="bg1"/>
+              </a:solidFill>
+            </a:endParaRPr>
+          </a:p>
+        </p:txBody>
+      </p:sp>
+      <p:sp>
+        <p:nvSpPr>
+          <p:cNvPr id="29" name="Rectangle 28">
+            <a:extLst>
+              <a:ext uri="{FF2B5EF4-FFF2-40B4-BE49-F238E27FC236}">
+                <a16:creationId xmlns:a16="http://schemas.microsoft.com/office/drawing/2014/main" id="{E414ABDA-A184-A74A-8125-47391EEEDC0D}"/>
+              </a:ext>
+            </a:extLst>
+          </p:cNvPr>
+          <p:cNvSpPr/>
+          <p:nvPr/>
+        </p:nvSpPr>
+        <p:spPr>
+          <a:xfrm>
+            <a:off x="4773169" y="3524343"/>
+            <a:ext cx="3667252" cy="575782"/>
+          </a:xfrm>
+          <a:prstGeom prst="rect">
+            <a:avLst/>
+          </a:prstGeom>
+          <a:solidFill>
+            <a:schemeClr val="tx1"/>
+          </a:solidFill>
+          <a:ln>
+            <a:solidFill>
+              <a:schemeClr val="bg1"/>
+            </a:solidFill>
+          </a:ln>
+        </p:spPr>
+        <p:style>
+          <a:lnRef idx="2">
+            <a:schemeClr val="accent1">
+              <a:shade val="50000"/>
+            </a:schemeClr>
+          </a:lnRef>
+          <a:fillRef idx="1">
+            <a:schemeClr val="accent1"/>
+          </a:fillRef>
+          <a:effectRef idx="0">
+            <a:schemeClr val="accent1"/>
+          </a:effectRef>
+          <a:fontRef idx="minor">
+            <a:schemeClr val="lt1"/>
+          </a:fontRef>
+        </p:style>
+        <p:txBody>
+          <a:bodyPr rtlCol="0" anchor="ctr"/>
+          <a:lstStyle/>
+          <a:p>
+            <a:pPr algn="ctr"/>
+            <a:r>
+              <a:rPr lang="en-US" dirty="0">
+                <a:solidFill>
+                  <a:schemeClr val="bg1"/>
+                </a:solidFill>
+              </a:rPr>
+              <a:t>Access Control</a:t>
+            </a:r>
+          </a:p>
+        </p:txBody>
+      </p:sp>
+      <p:sp>
+        <p:nvSpPr>
+          <p:cNvPr id="30" name="Rectangle 29">
+            <a:extLst>
+              <a:ext uri="{FF2B5EF4-FFF2-40B4-BE49-F238E27FC236}">
+                <a16:creationId xmlns:a16="http://schemas.microsoft.com/office/drawing/2014/main" id="{2EA39067-5A10-2743-BBB4-87635D0D7839}"/>
+              </a:ext>
+            </a:extLst>
+          </p:cNvPr>
+          <p:cNvSpPr/>
+          <p:nvPr/>
+        </p:nvSpPr>
+        <p:spPr>
+          <a:xfrm>
+            <a:off x="313436" y="3524343"/>
+            <a:ext cx="4395724" cy="571909"/>
+          </a:xfrm>
+          <a:prstGeom prst="rect">
+            <a:avLst/>
+          </a:prstGeom>
+          <a:solidFill>
+            <a:schemeClr val="tx1"/>
+          </a:solidFill>
+          <a:ln>
+            <a:solidFill>
+              <a:schemeClr val="bg1"/>
+            </a:solidFill>
+          </a:ln>
+        </p:spPr>
+        <p:style>
+          <a:lnRef idx="2">
+            <a:schemeClr val="accent1">
+              <a:shade val="50000"/>
+            </a:schemeClr>
+          </a:lnRef>
+          <a:fillRef idx="1">
+            <a:schemeClr val="accent1"/>
+          </a:fillRef>
+          <a:effectRef idx="0">
+            <a:schemeClr val="accent1"/>
+          </a:effectRef>
+          <a:fontRef idx="minor">
+            <a:schemeClr val="lt1"/>
+          </a:fontRef>
+        </p:style>
+        <p:txBody>
+          <a:bodyPr rtlCol="0" anchor="ctr"/>
+          <a:lstStyle/>
+          <a:p>
+            <a:pPr algn="ctr"/>
+            <a:r>
+              <a:rPr lang="en-US" dirty="0">
+                <a:solidFill>
+                  <a:schemeClr val="bg1"/>
+                </a:solidFill>
+              </a:rPr>
+              <a:t>Business Logic</a:t>
+            </a:r>
+          </a:p>
+        </p:txBody>
+      </p:sp>
+      <p:sp>
+        <p:nvSpPr>
+          <p:cNvPr id="31" name="Rectangle 30">
+            <a:extLst>
+              <a:ext uri="{FF2B5EF4-FFF2-40B4-BE49-F238E27FC236}">
+                <a16:creationId xmlns:a16="http://schemas.microsoft.com/office/drawing/2014/main" id="{97993ACA-1156-6E43-8733-8B14F9A07150}"/>
+              </a:ext>
+            </a:extLst>
+          </p:cNvPr>
+          <p:cNvSpPr/>
+          <p:nvPr/>
+        </p:nvSpPr>
+        <p:spPr>
+          <a:xfrm>
+            <a:off x="8490204" y="2798296"/>
+            <a:ext cx="3150108" cy="1301829"/>
+          </a:xfrm>
+          <a:prstGeom prst="rect">
+            <a:avLst/>
+          </a:prstGeom>
+          <a:solidFill>
+            <a:schemeClr val="tx1"/>
+          </a:solidFill>
+          <a:ln>
+            <a:solidFill>
+              <a:schemeClr val="bg1"/>
+            </a:solidFill>
+          </a:ln>
+        </p:spPr>
+        <p:style>
+          <a:lnRef idx="2">
+            <a:schemeClr val="accent1">
+              <a:shade val="50000"/>
+            </a:schemeClr>
+          </a:lnRef>
+          <a:fillRef idx="1">
+            <a:schemeClr val="accent1"/>
+          </a:fillRef>
+          <a:effectRef idx="0">
+            <a:schemeClr val="accent1"/>
+          </a:effectRef>
+          <a:fontRef idx="minor">
+            <a:schemeClr val="lt1"/>
+          </a:fontRef>
+        </p:style>
+        <p:txBody>
+          <a:bodyPr rtlCol="0" anchor="ctr"/>
+          <a:lstStyle/>
+          <a:p>
+            <a:pPr algn="ctr"/>
+            <a:r>
+              <a:rPr lang="en-US" dirty="0" err="1">
+                <a:solidFill>
+                  <a:schemeClr val="bg1"/>
+                </a:solidFill>
+              </a:rPr>
+              <a:t>SignalR</a:t>
+            </a:r>
+            <a:endParaRPr lang="en-US" dirty="0">
+              <a:solidFill>
+                <a:schemeClr val="bg1"/>
+              </a:solidFill>
+            </a:endParaRPr>
+          </a:p>
+        </p:txBody>
+      </p:sp>
+      <p:sp>
+        <p:nvSpPr>
+          <p:cNvPr id="32" name="Rectangle 31">
+            <a:extLst>
+              <a:ext uri="{FF2B5EF4-FFF2-40B4-BE49-F238E27FC236}">
+                <a16:creationId xmlns:a16="http://schemas.microsoft.com/office/drawing/2014/main" id="{1F7F88BF-C99D-8745-86F5-A6F045A50E68}"/>
+              </a:ext>
+            </a:extLst>
+          </p:cNvPr>
+          <p:cNvSpPr/>
+          <p:nvPr/>
+        </p:nvSpPr>
+        <p:spPr>
+          <a:xfrm>
+            <a:off x="9174480" y="1254918"/>
+            <a:ext cx="2465832" cy="1482640"/>
+          </a:xfrm>
+          <a:prstGeom prst="rect">
+            <a:avLst/>
+          </a:prstGeom>
+          <a:solidFill>
+            <a:schemeClr val="tx1"/>
+          </a:solidFill>
+          <a:ln>
+            <a:solidFill>
+              <a:schemeClr val="bg1"/>
+            </a:solidFill>
+          </a:ln>
+        </p:spPr>
+        <p:style>
+          <a:lnRef idx="2">
+            <a:schemeClr val="accent1">
+              <a:shade val="50000"/>
+            </a:schemeClr>
+          </a:lnRef>
+          <a:fillRef idx="1">
+            <a:schemeClr val="accent1"/>
+          </a:fillRef>
+          <a:effectRef idx="0">
+            <a:schemeClr val="accent1"/>
+          </a:effectRef>
+          <a:fontRef idx="minor">
+            <a:schemeClr val="lt1"/>
+          </a:fontRef>
+        </p:style>
+        <p:txBody>
+          <a:bodyPr rtlCol="0" anchor="ctr"/>
+          <a:lstStyle/>
+          <a:p>
+            <a:pPr algn="ctr"/>
+            <a:r>
+              <a:rPr lang="en-US" dirty="0">
+                <a:solidFill>
+                  <a:schemeClr val="bg1"/>
+                </a:solidFill>
+              </a:rPr>
+              <a:t>External Access?</a:t>
+            </a:r>
+          </a:p>
+        </p:txBody>
+      </p:sp>
+      <p:pic>
+        <p:nvPicPr>
+          <p:cNvPr id="4" name="Picture 3" descr="A close up of a sign&#10;&#10;Description automatically generated">
+            <a:extLst>
+              <a:ext uri="{FF2B5EF4-FFF2-40B4-BE49-F238E27FC236}">
+                <a16:creationId xmlns:a16="http://schemas.microsoft.com/office/drawing/2014/main" id="{C1A3EEC9-82B2-2F45-8548-4D4E0B319B50}"/>
+              </a:ext>
+            </a:extLst>
+          </p:cNvPr>
+          <p:cNvPicPr>
+            <a:picLocks noChangeAspect="1"/>
+          </p:cNvPicPr>
+          <p:nvPr/>
+        </p:nvPicPr>
+        <p:blipFill>
+          <a:blip r:embed="rId3">
+            <a:extLst>
+              <a:ext uri="{28A0092B-C50C-407E-A947-70E740481C1C}">
+                <a14:useLocalDpi xmlns:a14="http://schemas.microsoft.com/office/drawing/2010/main" val="0"/>
+              </a:ext>
+            </a:extLst>
+          </a:blip>
+          <a:stretch>
+            <a:fillRect/>
+          </a:stretch>
+        </p:blipFill>
+        <p:spPr>
+          <a:xfrm rot="10800000" flipV="1">
+            <a:off x="2608663" y="1983217"/>
+            <a:ext cx="489752" cy="489752"/>
+          </a:xfrm>
+          <a:prstGeom prst="rect">
+            <a:avLst/>
+          </a:prstGeom>
+        </p:spPr>
+      </p:pic>
+      <p:pic>
+        <p:nvPicPr>
+          <p:cNvPr id="7" name="Picture 6">
+            <a:extLst>
+              <a:ext uri="{FF2B5EF4-FFF2-40B4-BE49-F238E27FC236}">
+                <a16:creationId xmlns:a16="http://schemas.microsoft.com/office/drawing/2014/main" id="{BCC51C06-5B84-334D-9C8D-30AD49DB9B09}"/>
+              </a:ext>
+            </a:extLst>
+          </p:cNvPr>
+          <p:cNvPicPr>
+            <a:picLocks noChangeAspect="1"/>
+          </p:cNvPicPr>
+          <p:nvPr/>
+        </p:nvPicPr>
+        <p:blipFill>
+          <a:blip r:embed="rId4">
+            <a:extLst>
+              <a:ext uri="{28A0092B-C50C-407E-A947-70E740481C1C}">
+                <a14:useLocalDpi xmlns:a14="http://schemas.microsoft.com/office/drawing/2010/main" val="0"/>
+              </a:ext>
+            </a:extLst>
+          </a:blip>
+          <a:stretch>
+            <a:fillRect/>
+          </a:stretch>
+        </p:blipFill>
+        <p:spPr>
+          <a:xfrm>
+            <a:off x="3277426" y="1983217"/>
+            <a:ext cx="627666" cy="443551"/>
+          </a:xfrm>
+          <a:prstGeom prst="rect">
+            <a:avLst/>
+          </a:prstGeom>
+        </p:spPr>
+      </p:pic>
+      <p:pic>
+        <p:nvPicPr>
+          <p:cNvPr id="19" name="Picture 18" descr="A close up of a sign&#10;&#10;Description automatically generated">
+            <a:extLst>
+              <a:ext uri="{FF2B5EF4-FFF2-40B4-BE49-F238E27FC236}">
+                <a16:creationId xmlns:a16="http://schemas.microsoft.com/office/drawing/2014/main" id="{1E6DBD6B-91EF-AF46-A825-53023FB3548E}"/>
+              </a:ext>
+            </a:extLst>
+          </p:cNvPr>
+          <p:cNvPicPr>
+            <a:picLocks noChangeAspect="1"/>
+          </p:cNvPicPr>
+          <p:nvPr/>
+        </p:nvPicPr>
+        <p:blipFill>
+          <a:blip r:embed="rId5">
+            <a:extLst>
+              <a:ext uri="{28A0092B-C50C-407E-A947-70E740481C1C}">
+                <a14:useLocalDpi xmlns:a14="http://schemas.microsoft.com/office/drawing/2010/main" val="0"/>
+              </a:ext>
+            </a:extLst>
+          </a:blip>
+          <a:stretch>
+            <a:fillRect/>
+          </a:stretch>
+        </p:blipFill>
+        <p:spPr>
+          <a:xfrm>
+            <a:off x="4095422" y="2029417"/>
+            <a:ext cx="394939" cy="342281"/>
+          </a:xfrm>
+          <a:prstGeom prst="rect">
+            <a:avLst/>
+          </a:prstGeom>
+        </p:spPr>
+      </p:pic>
+      <p:pic>
+        <p:nvPicPr>
+          <p:cNvPr id="33" name="Picture 32" descr="A close up of a logo&#10;&#10;Description automatically generated">
+            <a:extLst>
+              <a:ext uri="{FF2B5EF4-FFF2-40B4-BE49-F238E27FC236}">
+                <a16:creationId xmlns:a16="http://schemas.microsoft.com/office/drawing/2014/main" id="{240EF776-10B1-7E4A-B885-58B1023CE2DB}"/>
+              </a:ext>
+            </a:extLst>
+          </p:cNvPr>
+          <p:cNvPicPr>
+            <a:picLocks noChangeAspect="1"/>
+          </p:cNvPicPr>
+          <p:nvPr/>
+        </p:nvPicPr>
+        <p:blipFill>
+          <a:blip r:embed="rId6">
+            <a:extLst>
+              <a:ext uri="{28A0092B-C50C-407E-A947-70E740481C1C}">
+                <a14:useLocalDpi xmlns:a14="http://schemas.microsoft.com/office/drawing/2010/main" val="0"/>
+              </a:ext>
+            </a:extLst>
+          </a:blip>
+          <a:stretch>
+            <a:fillRect/>
+          </a:stretch>
+        </p:blipFill>
+        <p:spPr>
+          <a:xfrm>
+            <a:off x="560656" y="1994729"/>
+            <a:ext cx="1286608" cy="463456"/>
+          </a:xfrm>
+          <a:prstGeom prst="rect">
+            <a:avLst/>
+          </a:prstGeom>
+        </p:spPr>
+      </p:pic>
+      <p:sp>
+        <p:nvSpPr>
+          <p:cNvPr id="34" name="TextBox 33">
+            <a:extLst>
+              <a:ext uri="{FF2B5EF4-FFF2-40B4-BE49-F238E27FC236}">
+                <a16:creationId xmlns:a16="http://schemas.microsoft.com/office/drawing/2014/main" id="{8C384FBC-155E-2642-BFF9-FEE912AB891F}"/>
+              </a:ext>
+            </a:extLst>
+          </p:cNvPr>
           <p:cNvSpPr txBox="1"/>
           <p:nvPr/>
         </p:nvSpPr>
         <p:spPr>
           <a:xfrm>
-            <a:off x="680321" y="2338251"/>
-            <a:ext cx="4336869" cy="523220"/>
+            <a:off x="826226" y="1464719"/>
+            <a:ext cx="1005403" cy="369332"/>
           </a:xfrm>
           <a:prstGeom prst="rect">
             <a:avLst/>
@@ -10168,48 +13159,38 @@
           <a:noFill/>
         </p:spPr>
         <p:txBody>
-          <a:bodyPr wrap="square" rtlCol="0">
+          <a:bodyPr wrap="none" rtlCol="0">
             <a:spAutoFit/>
           </a:bodyPr>
           <a:lstStyle/>
           <a:p>
             <a:r>
-              <a:rPr lang="bg-BG" sz="2800" dirty="0">
-                <a:effectLst>
-                  <a:outerShdw blurRad="38100" dist="38100" dir="2700000" algn="tl">
-                    <a:srgbClr val="000000">
-                      <a:alpha val="43137"/>
-                    </a:srgbClr>
-                  </a:outerShdw>
-                </a:effectLst>
+              <a:rPr lang="en-US" dirty="0">
+                <a:solidFill>
+                  <a:schemeClr val="bg1"/>
+                </a:solidFill>
               </a:rPr>
-              <a:t>Контакти</a:t>
-            </a:r>
-            <a:r>
-              <a:rPr lang="en-US" sz="2800" dirty="0">
-                <a:effectLst>
-                  <a:outerShdw blurRad="38100" dist="38100" dir="2700000" algn="tl">
-                    <a:srgbClr val="000000">
-                      <a:alpha val="43137"/>
-                    </a:srgbClr>
-                  </a:outerShdw>
-                </a:effectLst>
-              </a:rPr>
-              <a:t>: </a:t>
-            </a:r>
-          </a:p>
-        </p:txBody>
-      </p:sp>
-      <p:sp>
-        <p:nvSpPr>
-          <p:cNvPr id="5" name="TextBox 4"/>
+              <a:t>Desktop</a:t>
+            </a:r>
+          </a:p>
+        </p:txBody>
+      </p:sp>
+      <p:sp>
+        <p:nvSpPr>
+          <p:cNvPr id="35" name="TextBox 34">
+            <a:extLst>
+              <a:ext uri="{FF2B5EF4-FFF2-40B4-BE49-F238E27FC236}">
+                <a16:creationId xmlns:a16="http://schemas.microsoft.com/office/drawing/2014/main" id="{114034A9-C8ED-8241-86D0-18B795711A31}"/>
+              </a:ext>
+            </a:extLst>
+          </p:cNvPr>
           <p:cNvSpPr txBox="1"/>
           <p:nvPr/>
         </p:nvSpPr>
         <p:spPr>
           <a:xfrm>
-            <a:off x="4407408" y="2338251"/>
-            <a:ext cx="7479792" cy="1200329"/>
+            <a:off x="3196705" y="1464719"/>
+            <a:ext cx="626133" cy="369332"/>
           </a:xfrm>
           <a:prstGeom prst="rect">
             <a:avLst/>
@@ -10217,169 +13198,38 @@
           <a:noFill/>
         </p:spPr>
         <p:txBody>
-          <a:bodyPr wrap="square" rtlCol="0">
+          <a:bodyPr wrap="none" rtlCol="0">
             <a:spAutoFit/>
           </a:bodyPr>
           <a:lstStyle/>
           <a:p>
             <a:r>
-              <a:rPr lang="en-US" sz="2400" dirty="0" err="1">
-                <a:effectLst>
-                  <a:outerShdw blurRad="38100" dist="38100" dir="2700000" algn="tl">
-                    <a:srgbClr val="000000">
-                      <a:alpha val="43137"/>
-                    </a:srgbClr>
-                  </a:outerShdw>
-                </a:effectLst>
+              <a:rPr lang="en-US" dirty="0">
+                <a:solidFill>
+                  <a:schemeClr val="bg1"/>
+                </a:solidFill>
               </a:rPr>
-              <a:t>linkedin.com</a:t>
-            </a:r>
-            <a:r>
-              <a:rPr lang="en-US" sz="2400" dirty="0">
-                <a:effectLst>
-                  <a:outerShdw blurRad="38100" dist="38100" dir="2700000" algn="tl">
-                    <a:srgbClr val="000000">
-                      <a:alpha val="43137"/>
-                    </a:srgbClr>
-                  </a:outerShdw>
-                </a:effectLst>
-              </a:rPr>
-              <a:t>/in/</a:t>
-            </a:r>
-            <a:r>
-              <a:rPr lang="en-US" sz="2400" dirty="0" err="1">
-                <a:effectLst>
-                  <a:outerShdw blurRad="38100" dist="38100" dir="2700000" algn="tl">
-                    <a:srgbClr val="000000">
-                      <a:alpha val="43137"/>
-                    </a:srgbClr>
-                  </a:outerShdw>
-                </a:effectLst>
-              </a:rPr>
-              <a:t>nikolayvasilev</a:t>
-            </a:r>
-            <a:r>
-              <a:rPr lang="en-US" sz="2400" dirty="0">
-                <a:effectLst>
-                  <a:outerShdw blurRad="38100" dist="38100" dir="2700000" algn="tl">
-                    <a:srgbClr val="000000">
-                      <a:alpha val="43137"/>
-                    </a:srgbClr>
-                  </a:outerShdw>
-                </a:effectLst>
-              </a:rPr>
-              <a:t>/</a:t>
-            </a:r>
-          </a:p>
-          <a:p>
-            <a:r>
-              <a:rPr lang="en-US" sz="2400" dirty="0" err="1">
-                <a:effectLst>
-                  <a:outerShdw blurRad="38100" dist="38100" dir="2700000" algn="tl">
-                    <a:srgbClr val="000000">
-                      <a:alpha val="43137"/>
-                    </a:srgbClr>
-                  </a:outerShdw>
-                </a:effectLst>
-              </a:rPr>
-              <a:t>github.com</a:t>
-            </a:r>
-            <a:r>
-              <a:rPr lang="en-US" sz="2400" dirty="0">
-                <a:effectLst>
-                  <a:outerShdw blurRad="38100" dist="38100" dir="2700000" algn="tl">
-                    <a:srgbClr val="000000">
-                      <a:alpha val="43137"/>
-                    </a:srgbClr>
-                  </a:outerShdw>
-                </a:effectLst>
-              </a:rPr>
-              <a:t>/</a:t>
-            </a:r>
-            <a:r>
-              <a:rPr lang="en-US" sz="2400" dirty="0" err="1">
-                <a:effectLst>
-                  <a:outerShdw blurRad="38100" dist="38100" dir="2700000" algn="tl">
-                    <a:srgbClr val="000000">
-                      <a:alpha val="43137"/>
-                    </a:srgbClr>
-                  </a:outerShdw>
-                </a:effectLst>
-              </a:rPr>
-              <a:t>NikolayVasilev</a:t>
-            </a:r>
-            <a:r>
-              <a:rPr lang="en-US" sz="2400" dirty="0">
-                <a:effectLst>
-                  <a:outerShdw blurRad="38100" dist="38100" dir="2700000" algn="tl">
-                    <a:srgbClr val="000000">
-                      <a:alpha val="43137"/>
-                    </a:srgbClr>
-                  </a:outerShdw>
-                </a:effectLst>
-              </a:rPr>
-              <a:t>/</a:t>
-            </a:r>
-            <a:r>
-              <a:rPr lang="en-US" sz="2400" dirty="0" err="1">
-                <a:effectLst>
-                  <a:outerShdw blurRad="38100" dist="38100" dir="2700000" algn="tl">
-                    <a:srgbClr val="000000">
-                      <a:alpha val="43137"/>
-                    </a:srgbClr>
-                  </a:outerShdw>
-                </a:effectLst>
-              </a:rPr>
-              <a:t>DesktopAppsWithWeb</a:t>
-            </a:r>
-            <a:endParaRPr lang="en-US" sz="2400" dirty="0">
-              <a:effectLst>
-                <a:outerShdw blurRad="38100" dist="38100" dir="2700000" algn="tl">
-                  <a:srgbClr val="000000">
-                    <a:alpha val="43137"/>
-                  </a:srgbClr>
-                </a:outerShdw>
-              </a:effectLst>
-            </a:endParaRPr>
-          </a:p>
-          <a:p>
-            <a:r>
-              <a:rPr lang="en-US" sz="2400" dirty="0" err="1">
-                <a:effectLst>
-                  <a:outerShdw blurRad="38100" dist="38100" dir="2700000" algn="tl">
-                    <a:srgbClr val="000000">
-                      <a:alpha val="43137"/>
-                    </a:srgbClr>
-                  </a:outerShdw>
-                </a:effectLst>
-              </a:rPr>
-              <a:t>nvasilev.me</a:t>
-            </a:r>
-            <a:r>
-              <a:rPr lang="en-US" sz="2400" dirty="0">
-                <a:effectLst>
-                  <a:outerShdw blurRad="38100" dist="38100" dir="2700000" algn="tl">
-                    <a:srgbClr val="000000">
-                      <a:alpha val="43137"/>
-                    </a:srgbClr>
-                  </a:outerShdw>
-                </a:effectLst>
-              </a:rPr>
-              <a:t> </a:t>
-            </a:r>
-          </a:p>
-        </p:txBody>
-      </p:sp>
-      <p:sp>
-        <p:nvSpPr>
-          <p:cNvPr id="6" name="TextBox 5"/>
+              <a:t>Web</a:t>
+            </a:r>
+          </a:p>
+        </p:txBody>
+      </p:sp>
+      <p:sp>
+        <p:nvSpPr>
+          <p:cNvPr id="36" name="TextBox 35">
+            <a:extLst>
+              <a:ext uri="{FF2B5EF4-FFF2-40B4-BE49-F238E27FC236}">
+                <a16:creationId xmlns:a16="http://schemas.microsoft.com/office/drawing/2014/main" id="{71AEC738-9E93-3340-996E-3BBA773539C7}"/>
+              </a:ext>
+            </a:extLst>
+          </p:cNvPr>
           <p:cNvSpPr txBox="1"/>
           <p:nvPr/>
         </p:nvSpPr>
         <p:spPr>
           <a:xfrm>
-            <a:off x="3011639" y="4024207"/>
-            <a:ext cx="4506686" cy="523220"/>
+            <a:off x="5464417" y="1464719"/>
+            <a:ext cx="859531" cy="369332"/>
           </a:xfrm>
           <a:prstGeom prst="rect">
             <a:avLst/>
@@ -10387,90 +13237,98 @@
           <a:noFill/>
         </p:spPr>
         <p:txBody>
-          <a:bodyPr wrap="square" rtlCol="0">
+          <a:bodyPr wrap="none" rtlCol="0">
             <a:spAutoFit/>
           </a:bodyPr>
           <a:lstStyle/>
           <a:p>
-            <a:pPr algn="ctr"/>
-            <a:r>
-              <a:rPr lang="bg-BG" sz="2800" i="1" dirty="0">
-                <a:effectLst>
-                  <a:outerShdw blurRad="38100" dist="38100" dir="2700000" algn="tl">
-                    <a:srgbClr val="000000">
-                      <a:alpha val="43137"/>
-                    </a:srgbClr>
-                  </a:outerShdw>
-                </a:effectLst>
+            <a:r>
+              <a:rPr lang="en-US" dirty="0">
+                <a:solidFill>
+                  <a:schemeClr val="bg1"/>
+                </a:solidFill>
               </a:rPr>
-              <a:t>Следващо събитие</a:t>
-            </a:r>
-            <a:r>
-              <a:rPr lang="en-US" sz="2800" i="1" dirty="0">
-                <a:effectLst>
-                  <a:outerShdw blurRad="38100" dist="38100" dir="2700000" algn="tl">
-                    <a:srgbClr val="000000">
-                      <a:alpha val="43137"/>
-                    </a:srgbClr>
-                  </a:outerShdw>
-                </a:effectLst>
-              </a:rPr>
-              <a:t>: </a:t>
-            </a:r>
-          </a:p>
-        </p:txBody>
-      </p:sp>
-      <p:sp>
-        <p:nvSpPr>
-          <p:cNvPr id="7" name="TextBox 6"/>
-          <p:cNvSpPr txBox="1"/>
-          <p:nvPr/>
-        </p:nvSpPr>
-        <p:spPr>
-          <a:xfrm>
-            <a:off x="680321" y="5033055"/>
-            <a:ext cx="9613861" cy="707886"/>
-          </a:xfrm>
-          <a:prstGeom prst="rect">
-            <a:avLst/>
-          </a:prstGeom>
-          <a:noFill/>
-        </p:spPr>
-        <p:txBody>
-          <a:bodyPr wrap="square" rtlCol="0">
-            <a:spAutoFit/>
-          </a:bodyPr>
-          <a:lstStyle/>
-          <a:p>
-            <a:pPr algn="ctr"/>
-            <a:r>
-              <a:rPr lang="bg-BG" sz="4000" dirty="0">
-                <a:effectLst>
-                  <a:outerShdw blurRad="38100" dist="38100" dir="2700000" algn="tl">
-                    <a:srgbClr val="000000">
-                      <a:alpha val="43137"/>
-                    </a:srgbClr>
-                  </a:outerShdw>
-                </a:effectLst>
-              </a:rPr>
-              <a:t>Заглавие на следващото събитие</a:t>
-            </a:r>
-            <a:endParaRPr lang="en-US" sz="4000" dirty="0">
-              <a:effectLst>
-                <a:outerShdw blurRad="38100" dist="38100" dir="2700000" algn="tl">
-                  <a:srgbClr val="000000">
-                    <a:alpha val="43137"/>
-                  </a:srgbClr>
-                </a:outerShdw>
-              </a:effectLst>
-            </a:endParaRPr>
-          </a:p>
-        </p:txBody>
-      </p:sp>
+              <a:t>Mobile</a:t>
+            </a:r>
+          </a:p>
+        </p:txBody>
+      </p:sp>
+      <p:pic>
+        <p:nvPicPr>
+          <p:cNvPr id="38" name="Picture 37">
+            <a:extLst>
+              <a:ext uri="{FF2B5EF4-FFF2-40B4-BE49-F238E27FC236}">
+                <a16:creationId xmlns:a16="http://schemas.microsoft.com/office/drawing/2014/main" id="{E35AA811-9937-F34B-B563-6B6517269AF3}"/>
+              </a:ext>
+            </a:extLst>
+          </p:cNvPr>
+          <p:cNvPicPr>
+            <a:picLocks noChangeAspect="1"/>
+          </p:cNvPicPr>
+          <p:nvPr/>
+        </p:nvPicPr>
+        <p:blipFill>
+          <a:blip r:embed="rId7">
+            <a:extLst>
+              <a:ext uri="{28A0092B-C50C-407E-A947-70E740481C1C}">
+                <a14:useLocalDpi xmlns:a14="http://schemas.microsoft.com/office/drawing/2010/main" val="0"/>
+              </a:ext>
+            </a:extLst>
+          </a:blip>
+          <a:stretch>
+            <a:fillRect/>
+          </a:stretch>
+        </p:blipFill>
+        <p:spPr>
+          <a:xfrm>
+            <a:off x="5181360" y="1953514"/>
+            <a:ext cx="417998" cy="490312"/>
+          </a:xfrm>
+          <a:prstGeom prst="rect">
+            <a:avLst/>
+          </a:prstGeom>
+        </p:spPr>
+      </p:pic>
+      <p:pic>
+        <p:nvPicPr>
+          <p:cNvPr id="40" name="Picture 39" descr="A close up of a logo&#10;&#10;Description automatically generated">
+            <a:extLst>
+              <a:ext uri="{FF2B5EF4-FFF2-40B4-BE49-F238E27FC236}">
+                <a16:creationId xmlns:a16="http://schemas.microsoft.com/office/drawing/2014/main" id="{37052573-2BF3-2945-93CE-5B20751D9B96}"/>
+              </a:ext>
+            </a:extLst>
+          </p:cNvPr>
+          <p:cNvPicPr>
+            <a:picLocks noChangeAspect="1"/>
+          </p:cNvPicPr>
+          <p:nvPr/>
+        </p:nvPicPr>
+        <p:blipFill>
+          <a:blip r:embed="rId8">
+            <a:extLst>
+              <a:ext uri="{28A0092B-C50C-407E-A947-70E740481C1C}">
+                <a14:useLocalDpi xmlns:a14="http://schemas.microsoft.com/office/drawing/2010/main" val="0"/>
+              </a:ext>
+            </a:extLst>
+          </a:blip>
+          <a:stretch>
+            <a:fillRect/>
+          </a:stretch>
+        </p:blipFill>
+        <p:spPr>
+          <a:xfrm>
+            <a:off x="6127565" y="1887977"/>
+            <a:ext cx="582461" cy="582461"/>
+          </a:xfrm>
+          <a:prstGeom prst="rect">
+            <a:avLst/>
+          </a:prstGeom>
+        </p:spPr>
+      </p:pic>
     </p:spTree>
     <p:extLst>
       <p:ext uri="{BB962C8B-B14F-4D97-AF65-F5344CB8AC3E}">
-        <p14:creationId xmlns:p14="http://schemas.microsoft.com/office/powerpoint/2010/main" val="3510994672"/>
+        <p14:creationId xmlns:p14="http://schemas.microsoft.com/office/powerpoint/2010/main" val="2921029639"/>
       </p:ext>
     </p:extLst>
   </p:cSld>

--- a/Presentation/DesktopAppsWithWeb.pptx
+++ b/Presentation/DesktopAppsWithWeb.pptx
@@ -16,7 +16,12 @@
     <p:sldId id="266" r:id="rId10"/>
     <p:sldId id="267" r:id="rId11"/>
     <p:sldId id="268" r:id="rId12"/>
-    <p:sldId id="258" r:id="rId13"/>
+    <p:sldId id="269" r:id="rId13"/>
+    <p:sldId id="270" r:id="rId14"/>
+    <p:sldId id="271" r:id="rId15"/>
+    <p:sldId id="272" r:id="rId16"/>
+    <p:sldId id="273" r:id="rId17"/>
+    <p:sldId id="258" r:id="rId18"/>
   </p:sldIdLst>
   <p:sldSz cx="12192000" cy="6858000"/>
   <p:notesSz cx="6858000" cy="9144000"/>
@@ -8765,6 +8770,1773 @@
       </p:grpSpPr>
       <p:sp>
         <p:nvSpPr>
+          <p:cNvPr id="2" name="Title 1">
+            <a:extLst>
+              <a:ext uri="{FF2B5EF4-FFF2-40B4-BE49-F238E27FC236}">
+                <a16:creationId xmlns:a16="http://schemas.microsoft.com/office/drawing/2014/main" id="{1BF83948-1EBA-814F-832A-BA850D944E40}"/>
+              </a:ext>
+            </a:extLst>
+          </p:cNvPr>
+          <p:cNvSpPr>
+            <a:spLocks noGrp="1"/>
+          </p:cNvSpPr>
+          <p:nvPr>
+            <p:ph type="title" idx="4294967295"/>
+          </p:nvPr>
+        </p:nvSpPr>
+        <p:spPr>
+          <a:xfrm>
+            <a:off x="320040" y="45090"/>
+            <a:ext cx="9613900" cy="1081088"/>
+          </a:xfrm>
+        </p:spPr>
+        <p:txBody>
+          <a:bodyPr/>
+          <a:lstStyle/>
+          <a:p>
+            <a:r>
+              <a:rPr lang="en-US" dirty="0"/>
+              <a:t>How we actually did it... </a:t>
+            </a:r>
+          </a:p>
+        </p:txBody>
+      </p:sp>
+      <p:sp>
+        <p:nvSpPr>
+          <p:cNvPr id="6" name="Rectangle 5">
+            <a:extLst>
+              <a:ext uri="{FF2B5EF4-FFF2-40B4-BE49-F238E27FC236}">
+                <a16:creationId xmlns:a16="http://schemas.microsoft.com/office/drawing/2014/main" id="{53B3F239-BEFD-784A-8D7B-47EEFE3AF2D9}"/>
+              </a:ext>
+            </a:extLst>
+          </p:cNvPr>
+          <p:cNvSpPr/>
+          <p:nvPr/>
+        </p:nvSpPr>
+        <p:spPr>
+          <a:xfrm>
+            <a:off x="319919" y="4922402"/>
+            <a:ext cx="11739513" cy="1176869"/>
+          </a:xfrm>
+          <a:prstGeom prst="rect">
+            <a:avLst/>
+          </a:prstGeom>
+          <a:solidFill>
+            <a:srgbClr val="FFFFFF">
+              <a:alpha val="27059"/>
+            </a:srgbClr>
+          </a:solidFill>
+          <a:ln>
+            <a:solidFill>
+              <a:schemeClr val="bg1"/>
+            </a:solidFill>
+          </a:ln>
+        </p:spPr>
+        <p:style>
+          <a:lnRef idx="2">
+            <a:schemeClr val="accent1">
+              <a:shade val="50000"/>
+            </a:schemeClr>
+          </a:lnRef>
+          <a:fillRef idx="1">
+            <a:schemeClr val="accent1"/>
+          </a:fillRef>
+          <a:effectRef idx="0">
+            <a:schemeClr val="accent1"/>
+          </a:effectRef>
+          <a:fontRef idx="minor">
+            <a:schemeClr val="lt1"/>
+          </a:fontRef>
+        </p:style>
+        <p:txBody>
+          <a:bodyPr rtlCol="0" anchor="ctr"/>
+          <a:lstStyle/>
+          <a:p>
+            <a:pPr algn="ctr"/>
+            <a:r>
+              <a:rPr lang="en-US" dirty="0">
+                <a:solidFill>
+                  <a:schemeClr val="bg1"/>
+                </a:solidFill>
+              </a:rPr>
+              <a:t>Database</a:t>
+            </a:r>
+            <a:r>
+              <a:rPr lang="bg-BG" dirty="0">
+                <a:solidFill>
+                  <a:schemeClr val="bg1"/>
+                </a:solidFill>
+              </a:rPr>
+              <a:t> – </a:t>
+            </a:r>
+            <a:r>
+              <a:rPr lang="en-US" dirty="0">
+                <a:solidFill>
+                  <a:schemeClr val="bg1"/>
+                </a:solidFill>
+              </a:rPr>
+              <a:t>AWS - RDS</a:t>
+            </a:r>
+          </a:p>
+        </p:txBody>
+      </p:sp>
+      <p:pic>
+        <p:nvPicPr>
+          <p:cNvPr id="8" name="Picture 7">
+            <a:extLst>
+              <a:ext uri="{FF2B5EF4-FFF2-40B4-BE49-F238E27FC236}">
+                <a16:creationId xmlns:a16="http://schemas.microsoft.com/office/drawing/2014/main" id="{365CA751-E018-0C44-95CD-B542C7D9CAEC}"/>
+              </a:ext>
+            </a:extLst>
+          </p:cNvPr>
+          <p:cNvPicPr>
+            <a:picLocks noChangeAspect="1"/>
+          </p:cNvPicPr>
+          <p:nvPr/>
+        </p:nvPicPr>
+        <p:blipFill>
+          <a:blip r:embed="rId2">
+            <a:extLst>
+              <a:ext uri="{28A0092B-C50C-407E-A947-70E740481C1C}">
+                <a14:useLocalDpi xmlns:a14="http://schemas.microsoft.com/office/drawing/2010/main" val="0"/>
+              </a:ext>
+            </a:extLst>
+          </a:blip>
+          <a:stretch>
+            <a:fillRect/>
+          </a:stretch>
+        </p:blipFill>
+        <p:spPr>
+          <a:xfrm>
+            <a:off x="4240023" y="5114850"/>
+            <a:ext cx="791972" cy="791972"/>
+          </a:xfrm>
+          <a:prstGeom prst="rect">
+            <a:avLst/>
+          </a:prstGeom>
+        </p:spPr>
+      </p:pic>
+      <p:sp>
+        <p:nvSpPr>
+          <p:cNvPr id="15" name="Rectangle 14">
+            <a:extLst>
+              <a:ext uri="{FF2B5EF4-FFF2-40B4-BE49-F238E27FC236}">
+                <a16:creationId xmlns:a16="http://schemas.microsoft.com/office/drawing/2014/main" id="{E078E17B-5FA3-3740-A430-BF9E62031BDC}"/>
+              </a:ext>
+            </a:extLst>
+          </p:cNvPr>
+          <p:cNvSpPr/>
+          <p:nvPr/>
+        </p:nvSpPr>
+        <p:spPr>
+          <a:xfrm>
+            <a:off x="319736" y="1064329"/>
+            <a:ext cx="2563372" cy="1485658"/>
+          </a:xfrm>
+          <a:prstGeom prst="rect">
+            <a:avLst/>
+          </a:prstGeom>
+          <a:solidFill>
+            <a:schemeClr val="tx1"/>
+          </a:solidFill>
+          <a:ln>
+            <a:solidFill>
+              <a:schemeClr val="bg1"/>
+            </a:solidFill>
+          </a:ln>
+        </p:spPr>
+        <p:style>
+          <a:lnRef idx="2">
+            <a:schemeClr val="accent1">
+              <a:shade val="50000"/>
+            </a:schemeClr>
+          </a:lnRef>
+          <a:fillRef idx="1">
+            <a:schemeClr val="accent1"/>
+          </a:fillRef>
+          <a:effectRef idx="0">
+            <a:schemeClr val="accent1"/>
+          </a:effectRef>
+          <a:fontRef idx="minor">
+            <a:schemeClr val="lt1"/>
+          </a:fontRef>
+        </p:style>
+        <p:txBody>
+          <a:bodyPr rtlCol="0" anchor="ctr"/>
+          <a:lstStyle/>
+          <a:p>
+            <a:pPr algn="ctr"/>
+            <a:endParaRPr lang="en-US" dirty="0">
+              <a:solidFill>
+                <a:schemeClr val="bg1"/>
+              </a:solidFill>
+            </a:endParaRPr>
+          </a:p>
+        </p:txBody>
+      </p:sp>
+      <p:sp>
+        <p:nvSpPr>
+          <p:cNvPr id="24" name="Rectangle 23">
+            <a:extLst>
+              <a:ext uri="{FF2B5EF4-FFF2-40B4-BE49-F238E27FC236}">
+                <a16:creationId xmlns:a16="http://schemas.microsoft.com/office/drawing/2014/main" id="{70D2BAD7-DA08-9046-948D-D0D791F95784}"/>
+              </a:ext>
+            </a:extLst>
+          </p:cNvPr>
+          <p:cNvSpPr/>
+          <p:nvPr/>
+        </p:nvSpPr>
+        <p:spPr>
+          <a:xfrm>
+            <a:off x="8491510" y="1064329"/>
+            <a:ext cx="3567922" cy="1485658"/>
+          </a:xfrm>
+          <a:prstGeom prst="rect">
+            <a:avLst/>
+          </a:prstGeom>
+          <a:solidFill>
+            <a:srgbClr val="FFFFFE">
+              <a:alpha val="27843"/>
+            </a:srgbClr>
+          </a:solidFill>
+          <a:ln>
+            <a:solidFill>
+              <a:schemeClr val="bg1"/>
+            </a:solidFill>
+          </a:ln>
+        </p:spPr>
+        <p:style>
+          <a:lnRef idx="2">
+            <a:schemeClr val="accent1">
+              <a:shade val="50000"/>
+            </a:schemeClr>
+          </a:lnRef>
+          <a:fillRef idx="1">
+            <a:schemeClr val="accent1"/>
+          </a:fillRef>
+          <a:effectRef idx="0">
+            <a:schemeClr val="accent1"/>
+          </a:effectRef>
+          <a:fontRef idx="minor">
+            <a:schemeClr val="lt1"/>
+          </a:fontRef>
+        </p:style>
+        <p:txBody>
+          <a:bodyPr rtlCol="0" anchor="ctr"/>
+          <a:lstStyle/>
+          <a:p>
+            <a:pPr algn="ctr"/>
+            <a:endParaRPr lang="en-US" dirty="0">
+              <a:solidFill>
+                <a:schemeClr val="bg1"/>
+              </a:solidFill>
+            </a:endParaRPr>
+          </a:p>
+        </p:txBody>
+      </p:sp>
+      <p:sp>
+        <p:nvSpPr>
+          <p:cNvPr id="28" name="Rectangle 27">
+            <a:extLst>
+              <a:ext uri="{FF2B5EF4-FFF2-40B4-BE49-F238E27FC236}">
+                <a16:creationId xmlns:a16="http://schemas.microsoft.com/office/drawing/2014/main" id="{603CA055-A062-FA48-9C56-13FFE61D2EE7}"/>
+              </a:ext>
+            </a:extLst>
+          </p:cNvPr>
+          <p:cNvSpPr/>
+          <p:nvPr/>
+        </p:nvSpPr>
+        <p:spPr>
+          <a:xfrm>
+            <a:off x="2916418" y="1064329"/>
+            <a:ext cx="5541782" cy="1485658"/>
+          </a:xfrm>
+          <a:prstGeom prst="rect">
+            <a:avLst/>
+          </a:prstGeom>
+          <a:solidFill>
+            <a:srgbClr val="FFFFFE">
+              <a:alpha val="27059"/>
+            </a:srgbClr>
+          </a:solidFill>
+          <a:ln>
+            <a:solidFill>
+              <a:schemeClr val="bg1"/>
+            </a:solidFill>
+          </a:ln>
+        </p:spPr>
+        <p:style>
+          <a:lnRef idx="2">
+            <a:schemeClr val="accent1">
+              <a:shade val="50000"/>
+            </a:schemeClr>
+          </a:lnRef>
+          <a:fillRef idx="1">
+            <a:schemeClr val="accent1"/>
+          </a:fillRef>
+          <a:effectRef idx="0">
+            <a:schemeClr val="accent1"/>
+          </a:effectRef>
+          <a:fontRef idx="minor">
+            <a:schemeClr val="lt1"/>
+          </a:fontRef>
+        </p:style>
+        <p:txBody>
+          <a:bodyPr rtlCol="0" anchor="ctr"/>
+          <a:lstStyle/>
+          <a:p>
+            <a:pPr algn="ctr"/>
+            <a:endParaRPr lang="en-US" dirty="0">
+              <a:solidFill>
+                <a:schemeClr val="bg1"/>
+              </a:solidFill>
+            </a:endParaRPr>
+          </a:p>
+        </p:txBody>
+      </p:sp>
+      <p:pic>
+        <p:nvPicPr>
+          <p:cNvPr id="4" name="Picture 3" descr="A close up of a sign&#10;&#10;Description automatically generated">
+            <a:extLst>
+              <a:ext uri="{FF2B5EF4-FFF2-40B4-BE49-F238E27FC236}">
+                <a16:creationId xmlns:a16="http://schemas.microsoft.com/office/drawing/2014/main" id="{C1A3EEC9-82B2-2F45-8548-4D4E0B319B50}"/>
+              </a:ext>
+            </a:extLst>
+          </p:cNvPr>
+          <p:cNvPicPr>
+            <a:picLocks noChangeAspect="1"/>
+          </p:cNvPicPr>
+          <p:nvPr/>
+        </p:nvPicPr>
+        <p:blipFill>
+          <a:blip r:embed="rId3">
+            <a:extLst>
+              <a:ext uri="{28A0092B-C50C-407E-A947-70E740481C1C}">
+                <a14:useLocalDpi xmlns:a14="http://schemas.microsoft.com/office/drawing/2010/main" val="0"/>
+              </a:ext>
+            </a:extLst>
+          </a:blip>
+          <a:stretch>
+            <a:fillRect/>
+          </a:stretch>
+        </p:blipFill>
+        <p:spPr>
+          <a:xfrm rot="10800000" flipV="1">
+            <a:off x="4277256" y="1223911"/>
+            <a:ext cx="972983" cy="972983"/>
+          </a:xfrm>
+          <a:prstGeom prst="rect">
+            <a:avLst/>
+          </a:prstGeom>
+        </p:spPr>
+      </p:pic>
+      <p:pic>
+        <p:nvPicPr>
+          <p:cNvPr id="33" name="Picture 32" descr="A close up of a logo&#10;&#10;Description automatically generated">
+            <a:extLst>
+              <a:ext uri="{FF2B5EF4-FFF2-40B4-BE49-F238E27FC236}">
+                <a16:creationId xmlns:a16="http://schemas.microsoft.com/office/drawing/2014/main" id="{240EF776-10B1-7E4A-B885-58B1023CE2DB}"/>
+              </a:ext>
+            </a:extLst>
+          </p:cNvPr>
+          <p:cNvPicPr>
+            <a:picLocks noChangeAspect="1"/>
+          </p:cNvPicPr>
+          <p:nvPr/>
+        </p:nvPicPr>
+        <p:blipFill>
+          <a:blip r:embed="rId4">
+            <a:extLst>
+              <a:ext uri="{28A0092B-C50C-407E-A947-70E740481C1C}">
+                <a14:useLocalDpi xmlns:a14="http://schemas.microsoft.com/office/drawing/2010/main" val="0"/>
+              </a:ext>
+            </a:extLst>
+          </a:blip>
+          <a:stretch>
+            <a:fillRect/>
+          </a:stretch>
+        </p:blipFill>
+        <p:spPr>
+          <a:xfrm>
+            <a:off x="839346" y="1804712"/>
+            <a:ext cx="1286608" cy="463456"/>
+          </a:xfrm>
+          <a:prstGeom prst="rect">
+            <a:avLst/>
+          </a:prstGeom>
+        </p:spPr>
+      </p:pic>
+      <p:sp>
+        <p:nvSpPr>
+          <p:cNvPr id="34" name="TextBox 33">
+            <a:extLst>
+              <a:ext uri="{FF2B5EF4-FFF2-40B4-BE49-F238E27FC236}">
+                <a16:creationId xmlns:a16="http://schemas.microsoft.com/office/drawing/2014/main" id="{8C384FBC-155E-2642-BFF9-FEE912AB891F}"/>
+              </a:ext>
+            </a:extLst>
+          </p:cNvPr>
+          <p:cNvSpPr txBox="1"/>
+          <p:nvPr/>
+        </p:nvSpPr>
+        <p:spPr>
+          <a:xfrm>
+            <a:off x="1115375" y="1338227"/>
+            <a:ext cx="1005403" cy="369332"/>
+          </a:xfrm>
+          <a:prstGeom prst="rect">
+            <a:avLst/>
+          </a:prstGeom>
+          <a:noFill/>
+        </p:spPr>
+        <p:txBody>
+          <a:bodyPr wrap="none" rtlCol="0">
+            <a:spAutoFit/>
+          </a:bodyPr>
+          <a:lstStyle/>
+          <a:p>
+            <a:r>
+              <a:rPr lang="en-US" dirty="0">
+                <a:solidFill>
+                  <a:schemeClr val="bg1"/>
+                </a:solidFill>
+              </a:rPr>
+              <a:t>Desktop</a:t>
+            </a:r>
+          </a:p>
+        </p:txBody>
+      </p:sp>
+      <p:sp>
+        <p:nvSpPr>
+          <p:cNvPr id="35" name="TextBox 34">
+            <a:extLst>
+              <a:ext uri="{FF2B5EF4-FFF2-40B4-BE49-F238E27FC236}">
+                <a16:creationId xmlns:a16="http://schemas.microsoft.com/office/drawing/2014/main" id="{114034A9-C8ED-8241-86D0-18B795711A31}"/>
+              </a:ext>
+            </a:extLst>
+          </p:cNvPr>
+          <p:cNvSpPr txBox="1"/>
+          <p:nvPr/>
+        </p:nvSpPr>
+        <p:spPr>
+          <a:xfrm>
+            <a:off x="3353984" y="1248609"/>
+            <a:ext cx="626133" cy="369332"/>
+          </a:xfrm>
+          <a:prstGeom prst="rect">
+            <a:avLst/>
+          </a:prstGeom>
+          <a:noFill/>
+        </p:spPr>
+        <p:txBody>
+          <a:bodyPr wrap="square" rtlCol="0">
+            <a:spAutoFit/>
+          </a:bodyPr>
+          <a:lstStyle/>
+          <a:p>
+            <a:r>
+              <a:rPr lang="en-US" dirty="0">
+                <a:solidFill>
+                  <a:schemeClr val="bg1"/>
+                </a:solidFill>
+              </a:rPr>
+              <a:t>Web</a:t>
+            </a:r>
+          </a:p>
+        </p:txBody>
+      </p:sp>
+      <p:sp>
+        <p:nvSpPr>
+          <p:cNvPr id="36" name="TextBox 35">
+            <a:extLst>
+              <a:ext uri="{FF2B5EF4-FFF2-40B4-BE49-F238E27FC236}">
+                <a16:creationId xmlns:a16="http://schemas.microsoft.com/office/drawing/2014/main" id="{71AEC738-9E93-3340-996E-3BBA773539C7}"/>
+              </a:ext>
+            </a:extLst>
+          </p:cNvPr>
+          <p:cNvSpPr txBox="1"/>
+          <p:nvPr/>
+        </p:nvSpPr>
+        <p:spPr>
+          <a:xfrm>
+            <a:off x="9773702" y="1311174"/>
+            <a:ext cx="859531" cy="369332"/>
+          </a:xfrm>
+          <a:prstGeom prst="rect">
+            <a:avLst/>
+          </a:prstGeom>
+          <a:noFill/>
+        </p:spPr>
+        <p:txBody>
+          <a:bodyPr wrap="none" rtlCol="0">
+            <a:spAutoFit/>
+          </a:bodyPr>
+          <a:lstStyle/>
+          <a:p>
+            <a:r>
+              <a:rPr lang="en-US" dirty="0">
+                <a:solidFill>
+                  <a:schemeClr val="bg1"/>
+                </a:solidFill>
+              </a:rPr>
+              <a:t>Mobile</a:t>
+            </a:r>
+          </a:p>
+        </p:txBody>
+      </p:sp>
+      <p:pic>
+        <p:nvPicPr>
+          <p:cNvPr id="38" name="Picture 37">
+            <a:extLst>
+              <a:ext uri="{FF2B5EF4-FFF2-40B4-BE49-F238E27FC236}">
+                <a16:creationId xmlns:a16="http://schemas.microsoft.com/office/drawing/2014/main" id="{E35AA811-9937-F34B-B563-6B6517269AF3}"/>
+              </a:ext>
+            </a:extLst>
+          </p:cNvPr>
+          <p:cNvPicPr>
+            <a:picLocks noChangeAspect="1"/>
+          </p:cNvPicPr>
+          <p:nvPr/>
+        </p:nvPicPr>
+        <p:blipFill>
+          <a:blip r:embed="rId5">
+            <a:extLst>
+              <a:ext uri="{28A0092B-C50C-407E-A947-70E740481C1C}">
+                <a14:useLocalDpi xmlns:a14="http://schemas.microsoft.com/office/drawing/2010/main" val="0"/>
+              </a:ext>
+            </a:extLst>
+          </a:blip>
+          <a:stretch>
+            <a:fillRect/>
+          </a:stretch>
+        </p:blipFill>
+        <p:spPr>
+          <a:xfrm>
+            <a:off x="9165677" y="1781332"/>
+            <a:ext cx="417998" cy="490312"/>
+          </a:xfrm>
+          <a:prstGeom prst="rect">
+            <a:avLst/>
+          </a:prstGeom>
+        </p:spPr>
+      </p:pic>
+      <p:pic>
+        <p:nvPicPr>
+          <p:cNvPr id="40" name="Picture 39" descr="A close up of a logo&#10;&#10;Description automatically generated">
+            <a:extLst>
+              <a:ext uri="{FF2B5EF4-FFF2-40B4-BE49-F238E27FC236}">
+                <a16:creationId xmlns:a16="http://schemas.microsoft.com/office/drawing/2014/main" id="{37052573-2BF3-2945-93CE-5B20751D9B96}"/>
+              </a:ext>
+            </a:extLst>
+          </p:cNvPr>
+          <p:cNvPicPr>
+            <a:picLocks noChangeAspect="1"/>
+          </p:cNvPicPr>
+          <p:nvPr/>
+        </p:nvPicPr>
+        <p:blipFill>
+          <a:blip r:embed="rId6">
+            <a:extLst>
+              <a:ext uri="{28A0092B-C50C-407E-A947-70E740481C1C}">
+                <a14:useLocalDpi xmlns:a14="http://schemas.microsoft.com/office/drawing/2010/main" val="0"/>
+              </a:ext>
+            </a:extLst>
+          </a:blip>
+          <a:stretch>
+            <a:fillRect/>
+          </a:stretch>
+        </p:blipFill>
+        <p:spPr>
+          <a:xfrm>
+            <a:off x="10823260" y="1692739"/>
+            <a:ext cx="582461" cy="582461"/>
+          </a:xfrm>
+          <a:prstGeom prst="rect">
+            <a:avLst/>
+          </a:prstGeom>
+        </p:spPr>
+      </p:pic>
+      <p:sp>
+        <p:nvSpPr>
+          <p:cNvPr id="3" name="Rectangle 2">
+            <a:extLst>
+              <a:ext uri="{FF2B5EF4-FFF2-40B4-BE49-F238E27FC236}">
+                <a16:creationId xmlns:a16="http://schemas.microsoft.com/office/drawing/2014/main" id="{A6B2AF34-CCDA-4F4B-85DD-2945C6CF4AF8}"/>
+              </a:ext>
+            </a:extLst>
+          </p:cNvPr>
+          <p:cNvSpPr/>
+          <p:nvPr/>
+        </p:nvSpPr>
+        <p:spPr>
+          <a:xfrm>
+            <a:off x="320040" y="2618863"/>
+            <a:ext cx="4711955" cy="2194293"/>
+          </a:xfrm>
+          <a:prstGeom prst="rect">
+            <a:avLst/>
+          </a:prstGeom>
+          <a:solidFill>
+            <a:srgbClr val="FFFFFF">
+              <a:alpha val="27059"/>
+            </a:srgbClr>
+          </a:solidFill>
+        </p:spPr>
+        <p:style>
+          <a:lnRef idx="2">
+            <a:schemeClr val="accent1">
+              <a:shade val="50000"/>
+            </a:schemeClr>
+          </a:lnRef>
+          <a:fillRef idx="1">
+            <a:schemeClr val="accent1"/>
+          </a:fillRef>
+          <a:effectRef idx="0">
+            <a:schemeClr val="accent1"/>
+          </a:effectRef>
+          <a:fontRef idx="minor">
+            <a:schemeClr val="lt1"/>
+          </a:fontRef>
+        </p:style>
+        <p:txBody>
+          <a:bodyPr rtlCol="0" anchor="ctr"/>
+          <a:lstStyle/>
+          <a:p>
+            <a:pPr algn="ctr"/>
+            <a:endParaRPr lang="en-US" dirty="0"/>
+          </a:p>
+        </p:txBody>
+      </p:sp>
+      <p:sp>
+        <p:nvSpPr>
+          <p:cNvPr id="26" name="Rectangle 25">
+            <a:extLst>
+              <a:ext uri="{FF2B5EF4-FFF2-40B4-BE49-F238E27FC236}">
+                <a16:creationId xmlns:a16="http://schemas.microsoft.com/office/drawing/2014/main" id="{06138543-39D3-D543-9F03-55DE9D6B4736}"/>
+              </a:ext>
+            </a:extLst>
+          </p:cNvPr>
+          <p:cNvSpPr/>
+          <p:nvPr/>
+        </p:nvSpPr>
+        <p:spPr>
+          <a:xfrm>
+            <a:off x="423302" y="4058992"/>
+            <a:ext cx="2728412" cy="636657"/>
+          </a:xfrm>
+          <a:prstGeom prst="rect">
+            <a:avLst/>
+          </a:prstGeom>
+          <a:solidFill>
+            <a:srgbClr val="FFFFFF">
+              <a:alpha val="27059"/>
+            </a:srgbClr>
+          </a:solidFill>
+          <a:ln>
+            <a:solidFill>
+              <a:schemeClr val="bg1"/>
+            </a:solidFill>
+          </a:ln>
+        </p:spPr>
+        <p:style>
+          <a:lnRef idx="2">
+            <a:schemeClr val="accent1">
+              <a:shade val="50000"/>
+            </a:schemeClr>
+          </a:lnRef>
+          <a:fillRef idx="1">
+            <a:schemeClr val="accent1"/>
+          </a:fillRef>
+          <a:effectRef idx="0">
+            <a:schemeClr val="accent1"/>
+          </a:effectRef>
+          <a:fontRef idx="minor">
+            <a:schemeClr val="lt1"/>
+          </a:fontRef>
+        </p:style>
+        <p:txBody>
+          <a:bodyPr rtlCol="0" anchor="ctr"/>
+          <a:lstStyle/>
+          <a:p>
+            <a:pPr algn="ctr"/>
+            <a:r>
+              <a:rPr lang="en-US" dirty="0">
+                <a:solidFill>
+                  <a:schemeClr val="bg1"/>
+                </a:solidFill>
+              </a:rPr>
+              <a:t>Data Access Layer</a:t>
+            </a:r>
+          </a:p>
+        </p:txBody>
+      </p:sp>
+      <p:sp>
+        <p:nvSpPr>
+          <p:cNvPr id="27" name="Rectangle 26">
+            <a:extLst>
+              <a:ext uri="{FF2B5EF4-FFF2-40B4-BE49-F238E27FC236}">
+                <a16:creationId xmlns:a16="http://schemas.microsoft.com/office/drawing/2014/main" id="{8273D852-2C2E-5848-BCA9-9A54ADCAC9A5}"/>
+              </a:ext>
+            </a:extLst>
+          </p:cNvPr>
+          <p:cNvSpPr/>
+          <p:nvPr/>
+        </p:nvSpPr>
+        <p:spPr>
+          <a:xfrm>
+            <a:off x="423302" y="2700194"/>
+            <a:ext cx="2721808" cy="677818"/>
+          </a:xfrm>
+          <a:prstGeom prst="rect">
+            <a:avLst/>
+          </a:prstGeom>
+          <a:solidFill>
+            <a:srgbClr val="FFFFFE"/>
+          </a:solidFill>
+          <a:ln>
+            <a:solidFill>
+              <a:schemeClr val="bg1"/>
+            </a:solidFill>
+          </a:ln>
+        </p:spPr>
+        <p:style>
+          <a:lnRef idx="2">
+            <a:schemeClr val="accent1">
+              <a:shade val="50000"/>
+            </a:schemeClr>
+          </a:lnRef>
+          <a:fillRef idx="1">
+            <a:schemeClr val="accent1"/>
+          </a:fillRef>
+          <a:effectRef idx="0">
+            <a:schemeClr val="accent1"/>
+          </a:effectRef>
+          <a:fontRef idx="minor">
+            <a:schemeClr val="lt1"/>
+          </a:fontRef>
+        </p:style>
+        <p:txBody>
+          <a:bodyPr rtlCol="0" anchor="ctr"/>
+          <a:lstStyle/>
+          <a:p>
+            <a:pPr algn="ctr"/>
+            <a:r>
+              <a:rPr lang="en-US" dirty="0">
+                <a:solidFill>
+                  <a:schemeClr val="bg1"/>
+                </a:solidFill>
+              </a:rPr>
+              <a:t>REST API</a:t>
+            </a:r>
+          </a:p>
+        </p:txBody>
+      </p:sp>
+      <p:sp>
+        <p:nvSpPr>
+          <p:cNvPr id="37" name="Rectangle 36">
+            <a:extLst>
+              <a:ext uri="{FF2B5EF4-FFF2-40B4-BE49-F238E27FC236}">
+                <a16:creationId xmlns:a16="http://schemas.microsoft.com/office/drawing/2014/main" id="{6B876493-29FC-BD40-B713-76F97684A2BD}"/>
+              </a:ext>
+            </a:extLst>
+          </p:cNvPr>
+          <p:cNvSpPr/>
+          <p:nvPr/>
+        </p:nvSpPr>
+        <p:spPr>
+          <a:xfrm>
+            <a:off x="9922784" y="2615331"/>
+            <a:ext cx="2136648" cy="2194293"/>
+          </a:xfrm>
+          <a:prstGeom prst="rect">
+            <a:avLst/>
+          </a:prstGeom>
+          <a:solidFill>
+            <a:srgbClr val="FFFFFF">
+              <a:alpha val="27059"/>
+            </a:srgbClr>
+          </a:solidFill>
+          <a:ln>
+            <a:solidFill>
+              <a:schemeClr val="bg1"/>
+            </a:solidFill>
+          </a:ln>
+        </p:spPr>
+        <p:style>
+          <a:lnRef idx="2">
+            <a:schemeClr val="accent1">
+              <a:shade val="50000"/>
+            </a:schemeClr>
+          </a:lnRef>
+          <a:fillRef idx="1">
+            <a:schemeClr val="accent1"/>
+          </a:fillRef>
+          <a:effectRef idx="0">
+            <a:schemeClr val="accent1"/>
+          </a:effectRef>
+          <a:fontRef idx="minor">
+            <a:schemeClr val="lt1"/>
+          </a:fontRef>
+        </p:style>
+        <p:txBody>
+          <a:bodyPr rtlCol="0" anchor="ctr"/>
+          <a:lstStyle/>
+          <a:p>
+            <a:pPr algn="ctr"/>
+            <a:r>
+              <a:rPr lang="en-US" dirty="0">
+                <a:solidFill>
+                  <a:schemeClr val="bg1"/>
+                </a:solidFill>
+              </a:rPr>
+              <a:t>Access Control</a:t>
+            </a:r>
+          </a:p>
+          <a:p>
+            <a:pPr algn="ctr"/>
+            <a:r>
+              <a:rPr lang="en-US" dirty="0">
+                <a:solidFill>
+                  <a:schemeClr val="bg1"/>
+                </a:solidFill>
+              </a:rPr>
+              <a:t>JWT, OAuth</a:t>
+            </a:r>
+          </a:p>
+        </p:txBody>
+      </p:sp>
+      <p:sp>
+        <p:nvSpPr>
+          <p:cNvPr id="39" name="Rectangle 38">
+            <a:extLst>
+              <a:ext uri="{FF2B5EF4-FFF2-40B4-BE49-F238E27FC236}">
+                <a16:creationId xmlns:a16="http://schemas.microsoft.com/office/drawing/2014/main" id="{B6BE9AC5-1D35-2443-93AB-910B3A00F664}"/>
+              </a:ext>
+            </a:extLst>
+          </p:cNvPr>
+          <p:cNvSpPr/>
+          <p:nvPr/>
+        </p:nvSpPr>
+        <p:spPr>
+          <a:xfrm>
+            <a:off x="416698" y="3424142"/>
+            <a:ext cx="2728412" cy="597132"/>
+          </a:xfrm>
+          <a:prstGeom prst="rect">
+            <a:avLst/>
+          </a:prstGeom>
+          <a:solidFill>
+            <a:srgbClr val="FFFFFF">
+              <a:alpha val="27059"/>
+            </a:srgbClr>
+          </a:solidFill>
+          <a:ln>
+            <a:solidFill>
+              <a:schemeClr val="bg1"/>
+            </a:solidFill>
+          </a:ln>
+        </p:spPr>
+        <p:style>
+          <a:lnRef idx="2">
+            <a:schemeClr val="accent1">
+              <a:shade val="50000"/>
+            </a:schemeClr>
+          </a:lnRef>
+          <a:fillRef idx="1">
+            <a:schemeClr val="accent1"/>
+          </a:fillRef>
+          <a:effectRef idx="0">
+            <a:schemeClr val="accent1"/>
+          </a:effectRef>
+          <a:fontRef idx="minor">
+            <a:schemeClr val="lt1"/>
+          </a:fontRef>
+        </p:style>
+        <p:txBody>
+          <a:bodyPr rtlCol="0" anchor="ctr"/>
+          <a:lstStyle/>
+          <a:p>
+            <a:pPr algn="ctr"/>
+            <a:r>
+              <a:rPr lang="en-US" dirty="0">
+                <a:solidFill>
+                  <a:schemeClr val="bg1"/>
+                </a:solidFill>
+              </a:rPr>
+              <a:t>Business Logic</a:t>
+            </a:r>
+          </a:p>
+        </p:txBody>
+      </p:sp>
+      <p:pic>
+        <p:nvPicPr>
+          <p:cNvPr id="10" name="Picture 9" descr="A close up of a sign&#10;&#10;Description automatically generated">
+            <a:extLst>
+              <a:ext uri="{FF2B5EF4-FFF2-40B4-BE49-F238E27FC236}">
+                <a16:creationId xmlns:a16="http://schemas.microsoft.com/office/drawing/2014/main" id="{94EBD739-D851-D64B-AB29-799DA11284AC}"/>
+              </a:ext>
+            </a:extLst>
+          </p:cNvPr>
+          <p:cNvPicPr>
+            <a:picLocks noChangeAspect="1"/>
+          </p:cNvPicPr>
+          <p:nvPr/>
+        </p:nvPicPr>
+        <p:blipFill>
+          <a:blip r:embed="rId7">
+            <a:extLst>
+              <a:ext uri="{28A0092B-C50C-407E-A947-70E740481C1C}">
+                <a14:useLocalDpi xmlns:a14="http://schemas.microsoft.com/office/drawing/2010/main" val="0"/>
+              </a:ext>
+            </a:extLst>
+          </a:blip>
+          <a:stretch>
+            <a:fillRect/>
+          </a:stretch>
+        </p:blipFill>
+        <p:spPr>
+          <a:xfrm>
+            <a:off x="3447237" y="3174016"/>
+            <a:ext cx="1289234" cy="1097384"/>
+          </a:xfrm>
+          <a:prstGeom prst="rect">
+            <a:avLst/>
+          </a:prstGeom>
+        </p:spPr>
+      </p:pic>
+      <p:sp>
+        <p:nvSpPr>
+          <p:cNvPr id="41" name="Rectangle 40">
+            <a:extLst>
+              <a:ext uri="{FF2B5EF4-FFF2-40B4-BE49-F238E27FC236}">
+                <a16:creationId xmlns:a16="http://schemas.microsoft.com/office/drawing/2014/main" id="{D0D8640D-77E0-1146-B204-3CEBD11DEEDE}"/>
+              </a:ext>
+            </a:extLst>
+          </p:cNvPr>
+          <p:cNvSpPr/>
+          <p:nvPr/>
+        </p:nvSpPr>
+        <p:spPr>
+          <a:xfrm>
+            <a:off x="5121412" y="2615332"/>
+            <a:ext cx="4711955" cy="2194293"/>
+          </a:xfrm>
+          <a:prstGeom prst="rect">
+            <a:avLst/>
+          </a:prstGeom>
+          <a:solidFill>
+            <a:srgbClr val="FFFFFF">
+              <a:alpha val="27059"/>
+            </a:srgbClr>
+          </a:solidFill>
+        </p:spPr>
+        <p:style>
+          <a:lnRef idx="2">
+            <a:schemeClr val="accent1">
+              <a:shade val="50000"/>
+            </a:schemeClr>
+          </a:lnRef>
+          <a:fillRef idx="1">
+            <a:schemeClr val="accent1"/>
+          </a:fillRef>
+          <a:effectRef idx="0">
+            <a:schemeClr val="accent1"/>
+          </a:effectRef>
+          <a:fontRef idx="minor">
+            <a:schemeClr val="lt1"/>
+          </a:fontRef>
+        </p:style>
+        <p:txBody>
+          <a:bodyPr rtlCol="0" anchor="ctr"/>
+          <a:lstStyle/>
+          <a:p>
+            <a:pPr algn="ctr"/>
+            <a:endParaRPr lang="en-US" dirty="0"/>
+          </a:p>
+        </p:txBody>
+      </p:sp>
+      <p:sp>
+        <p:nvSpPr>
+          <p:cNvPr id="42" name="Rectangle 41">
+            <a:extLst>
+              <a:ext uri="{FF2B5EF4-FFF2-40B4-BE49-F238E27FC236}">
+                <a16:creationId xmlns:a16="http://schemas.microsoft.com/office/drawing/2014/main" id="{9B1C5B76-60E8-EF41-BEEE-8F4CA060ACDE}"/>
+              </a:ext>
+            </a:extLst>
+          </p:cNvPr>
+          <p:cNvSpPr/>
+          <p:nvPr/>
+        </p:nvSpPr>
+        <p:spPr>
+          <a:xfrm>
+            <a:off x="5224674" y="4055461"/>
+            <a:ext cx="2728412" cy="636657"/>
+          </a:xfrm>
+          <a:prstGeom prst="rect">
+            <a:avLst/>
+          </a:prstGeom>
+          <a:solidFill>
+            <a:srgbClr val="FFFFFF">
+              <a:alpha val="27059"/>
+            </a:srgbClr>
+          </a:solidFill>
+          <a:ln>
+            <a:solidFill>
+              <a:schemeClr val="bg1"/>
+            </a:solidFill>
+          </a:ln>
+        </p:spPr>
+        <p:style>
+          <a:lnRef idx="2">
+            <a:schemeClr val="accent1">
+              <a:shade val="50000"/>
+            </a:schemeClr>
+          </a:lnRef>
+          <a:fillRef idx="1">
+            <a:schemeClr val="accent1"/>
+          </a:fillRef>
+          <a:effectRef idx="0">
+            <a:schemeClr val="accent1"/>
+          </a:effectRef>
+          <a:fontRef idx="minor">
+            <a:schemeClr val="lt1"/>
+          </a:fontRef>
+        </p:style>
+        <p:txBody>
+          <a:bodyPr rtlCol="0" anchor="ctr"/>
+          <a:lstStyle/>
+          <a:p>
+            <a:pPr algn="ctr"/>
+            <a:r>
+              <a:rPr lang="en-US" dirty="0">
+                <a:solidFill>
+                  <a:schemeClr val="bg1"/>
+                </a:solidFill>
+              </a:rPr>
+              <a:t>Data Access Layer</a:t>
+            </a:r>
+          </a:p>
+        </p:txBody>
+      </p:sp>
+      <p:sp>
+        <p:nvSpPr>
+          <p:cNvPr id="43" name="Rectangle 42">
+            <a:extLst>
+              <a:ext uri="{FF2B5EF4-FFF2-40B4-BE49-F238E27FC236}">
+                <a16:creationId xmlns:a16="http://schemas.microsoft.com/office/drawing/2014/main" id="{082770DA-A428-B54F-B527-883DCCF7EE03}"/>
+              </a:ext>
+            </a:extLst>
+          </p:cNvPr>
+          <p:cNvSpPr/>
+          <p:nvPr/>
+        </p:nvSpPr>
+        <p:spPr>
+          <a:xfrm>
+            <a:off x="5224674" y="2696663"/>
+            <a:ext cx="2721808" cy="677818"/>
+          </a:xfrm>
+          <a:prstGeom prst="rect">
+            <a:avLst/>
+          </a:prstGeom>
+          <a:solidFill>
+            <a:srgbClr val="FFFFFE"/>
+          </a:solidFill>
+          <a:ln>
+            <a:solidFill>
+              <a:schemeClr val="bg1"/>
+            </a:solidFill>
+          </a:ln>
+        </p:spPr>
+        <p:style>
+          <a:lnRef idx="2">
+            <a:schemeClr val="accent1">
+              <a:shade val="50000"/>
+            </a:schemeClr>
+          </a:lnRef>
+          <a:fillRef idx="1">
+            <a:schemeClr val="accent1"/>
+          </a:fillRef>
+          <a:effectRef idx="0">
+            <a:schemeClr val="accent1"/>
+          </a:effectRef>
+          <a:fontRef idx="minor">
+            <a:schemeClr val="lt1"/>
+          </a:fontRef>
+        </p:style>
+        <p:txBody>
+          <a:bodyPr rtlCol="0" anchor="ctr"/>
+          <a:lstStyle/>
+          <a:p>
+            <a:pPr algn="ctr"/>
+            <a:r>
+              <a:rPr lang="en-US" dirty="0">
+                <a:solidFill>
+                  <a:schemeClr val="bg1"/>
+                </a:solidFill>
+              </a:rPr>
+              <a:t>REST API</a:t>
+            </a:r>
+          </a:p>
+        </p:txBody>
+      </p:sp>
+      <p:sp>
+        <p:nvSpPr>
+          <p:cNvPr id="44" name="Rectangle 43">
+            <a:extLst>
+              <a:ext uri="{FF2B5EF4-FFF2-40B4-BE49-F238E27FC236}">
+                <a16:creationId xmlns:a16="http://schemas.microsoft.com/office/drawing/2014/main" id="{9BA5FE4D-8A1C-6B40-BC54-4874760E7C1A}"/>
+              </a:ext>
+            </a:extLst>
+          </p:cNvPr>
+          <p:cNvSpPr/>
+          <p:nvPr/>
+        </p:nvSpPr>
+        <p:spPr>
+          <a:xfrm>
+            <a:off x="5218070" y="3420611"/>
+            <a:ext cx="2728412" cy="597132"/>
+          </a:xfrm>
+          <a:prstGeom prst="rect">
+            <a:avLst/>
+          </a:prstGeom>
+          <a:solidFill>
+            <a:srgbClr val="FFFFFF">
+              <a:alpha val="27059"/>
+            </a:srgbClr>
+          </a:solidFill>
+          <a:ln>
+            <a:solidFill>
+              <a:schemeClr val="bg1"/>
+            </a:solidFill>
+          </a:ln>
+        </p:spPr>
+        <p:style>
+          <a:lnRef idx="2">
+            <a:schemeClr val="accent1">
+              <a:shade val="50000"/>
+            </a:schemeClr>
+          </a:lnRef>
+          <a:fillRef idx="1">
+            <a:schemeClr val="accent1"/>
+          </a:fillRef>
+          <a:effectRef idx="0">
+            <a:schemeClr val="accent1"/>
+          </a:effectRef>
+          <a:fontRef idx="minor">
+            <a:schemeClr val="lt1"/>
+          </a:fontRef>
+        </p:style>
+        <p:txBody>
+          <a:bodyPr rtlCol="0" anchor="ctr"/>
+          <a:lstStyle/>
+          <a:p>
+            <a:pPr algn="ctr"/>
+            <a:r>
+              <a:rPr lang="en-US" dirty="0">
+                <a:solidFill>
+                  <a:schemeClr val="bg1"/>
+                </a:solidFill>
+              </a:rPr>
+              <a:t>Business Logic</a:t>
+            </a:r>
+          </a:p>
+        </p:txBody>
+      </p:sp>
+      <p:pic>
+        <p:nvPicPr>
+          <p:cNvPr id="45" name="Picture 44" descr="A close up of a sign&#10;&#10;Description automatically generated">
+            <a:extLst>
+              <a:ext uri="{FF2B5EF4-FFF2-40B4-BE49-F238E27FC236}">
+                <a16:creationId xmlns:a16="http://schemas.microsoft.com/office/drawing/2014/main" id="{D049F408-C811-8847-8829-40851F9528E6}"/>
+              </a:ext>
+            </a:extLst>
+          </p:cNvPr>
+          <p:cNvPicPr>
+            <a:picLocks noChangeAspect="1"/>
+          </p:cNvPicPr>
+          <p:nvPr/>
+        </p:nvPicPr>
+        <p:blipFill>
+          <a:blip r:embed="rId7">
+            <a:extLst>
+              <a:ext uri="{28A0092B-C50C-407E-A947-70E740481C1C}">
+                <a14:useLocalDpi xmlns:a14="http://schemas.microsoft.com/office/drawing/2010/main" val="0"/>
+              </a:ext>
+            </a:extLst>
+          </a:blip>
+          <a:stretch>
+            <a:fillRect/>
+          </a:stretch>
+        </p:blipFill>
+        <p:spPr>
+          <a:xfrm>
+            <a:off x="8248609" y="3170485"/>
+            <a:ext cx="1289234" cy="1097384"/>
+          </a:xfrm>
+          <a:prstGeom prst="rect">
+            <a:avLst/>
+          </a:prstGeom>
+        </p:spPr>
+      </p:pic>
+      <p:pic>
+        <p:nvPicPr>
+          <p:cNvPr id="12" name="Picture 11">
+            <a:extLst>
+              <a:ext uri="{FF2B5EF4-FFF2-40B4-BE49-F238E27FC236}">
+                <a16:creationId xmlns:a16="http://schemas.microsoft.com/office/drawing/2014/main" id="{640CF250-4525-114A-8190-CAF3D9FC050D}"/>
+              </a:ext>
+            </a:extLst>
+          </p:cNvPr>
+          <p:cNvPicPr>
+            <a:picLocks noChangeAspect="1"/>
+          </p:cNvPicPr>
+          <p:nvPr/>
+        </p:nvPicPr>
+        <p:blipFill>
+          <a:blip r:embed="rId8">
+            <a:extLst>
+              <a:ext uri="{28A0092B-C50C-407E-A947-70E740481C1C}">
+                <a14:useLocalDpi xmlns:a14="http://schemas.microsoft.com/office/drawing/2010/main" val="0"/>
+              </a:ext>
+            </a:extLst>
+          </a:blip>
+          <a:stretch>
+            <a:fillRect/>
+          </a:stretch>
+        </p:blipFill>
+        <p:spPr>
+          <a:xfrm>
+            <a:off x="6262881" y="1223910"/>
+            <a:ext cx="1926712" cy="1084097"/>
+          </a:xfrm>
+          <a:prstGeom prst="rect">
+            <a:avLst/>
+          </a:prstGeom>
+        </p:spPr>
+      </p:pic>
+    </p:spTree>
+    <p:extLst>
+      <p:ext uri="{BB962C8B-B14F-4D97-AF65-F5344CB8AC3E}">
+        <p14:creationId xmlns:p14="http://schemas.microsoft.com/office/powerpoint/2010/main" val="3356695953"/>
+      </p:ext>
+    </p:extLst>
+  </p:cSld>
+  <p:clrMapOvr>
+    <a:masterClrMapping/>
+  </p:clrMapOvr>
+  <mc:AlternateContent xmlns:mc="http://schemas.openxmlformats.org/markup-compatibility/2006" xmlns:p14="http://schemas.microsoft.com/office/powerpoint/2010/main">
+    <mc:Choice Requires="p14">
+      <p:transition spd="med" p14:dur="700">
+        <p:fade/>
+      </p:transition>
+    </mc:Choice>
+    <mc:Fallback xmlns="">
+      <p:transition spd="med">
+        <p:fade/>
+      </p:transition>
+    </mc:Fallback>
+  </mc:AlternateContent>
+</p:sld>
+</file>
+
+<file path=ppt/slides/slide13.xml><?xml version="1.0" encoding="utf-8"?>
+<p:sld xmlns:a="http://schemas.openxmlformats.org/drawingml/2006/main" xmlns:r="http://schemas.openxmlformats.org/officeDocument/2006/relationships" xmlns:p="http://schemas.openxmlformats.org/presentationml/2006/main">
+  <p:cSld>
+    <p:spTree>
+      <p:nvGrpSpPr>
+        <p:cNvPr id="1" name=""/>
+        <p:cNvGrpSpPr/>
+        <p:nvPr/>
+      </p:nvGrpSpPr>
+      <p:grpSpPr>
+        <a:xfrm>
+          <a:off x="0" y="0"/>
+          <a:ext cx="0" cy="0"/>
+          <a:chOff x="0" y="0"/>
+          <a:chExt cx="0" cy="0"/>
+        </a:xfrm>
+      </p:grpSpPr>
+      <p:sp>
+        <p:nvSpPr>
+          <p:cNvPr id="2" name="Title 1">
+            <a:extLst>
+              <a:ext uri="{FF2B5EF4-FFF2-40B4-BE49-F238E27FC236}">
+                <a16:creationId xmlns:a16="http://schemas.microsoft.com/office/drawing/2014/main" id="{BF18BAA1-2282-6B4C-B606-A56A308F2A02}"/>
+              </a:ext>
+            </a:extLst>
+          </p:cNvPr>
+          <p:cNvSpPr>
+            <a:spLocks noGrp="1"/>
+          </p:cNvSpPr>
+          <p:nvPr>
+            <p:ph type="title"/>
+          </p:nvPr>
+        </p:nvSpPr>
+        <p:spPr/>
+        <p:txBody>
+          <a:bodyPr/>
+          <a:lstStyle/>
+          <a:p>
+            <a:r>
+              <a:rPr lang="en-US" dirty="0"/>
+              <a:t>Some ways to handle REST in .NET</a:t>
+            </a:r>
+          </a:p>
+        </p:txBody>
+      </p:sp>
+      <p:sp>
+        <p:nvSpPr>
+          <p:cNvPr id="3" name="Content Placeholder 2">
+            <a:extLst>
+              <a:ext uri="{FF2B5EF4-FFF2-40B4-BE49-F238E27FC236}">
+                <a16:creationId xmlns:a16="http://schemas.microsoft.com/office/drawing/2014/main" id="{DDB03639-3C5D-B046-983E-02BBC35DF8A4}"/>
+              </a:ext>
+            </a:extLst>
+          </p:cNvPr>
+          <p:cNvSpPr>
+            <a:spLocks noGrp="1"/>
+          </p:cNvSpPr>
+          <p:nvPr>
+            <p:ph idx="1"/>
+          </p:nvPr>
+        </p:nvSpPr>
+        <p:spPr/>
+        <p:txBody>
+          <a:bodyPr/>
+          <a:lstStyle/>
+          <a:p>
+            <a:r>
+              <a:rPr lang="en-US" dirty="0" err="1"/>
+              <a:t>HttpWebRequest</a:t>
+            </a:r>
+            <a:r>
+              <a:rPr lang="en-US" dirty="0"/>
+              <a:t>/Response classes</a:t>
+            </a:r>
+          </a:p>
+          <a:p>
+            <a:endParaRPr lang="en-US" dirty="0"/>
+          </a:p>
+          <a:p>
+            <a:r>
+              <a:rPr lang="en-US" dirty="0" err="1"/>
+              <a:t>WebClient</a:t>
+            </a:r>
+            <a:r>
+              <a:rPr lang="en-US" dirty="0"/>
+              <a:t> class</a:t>
+            </a:r>
+          </a:p>
+          <a:p>
+            <a:endParaRPr lang="en-US" dirty="0"/>
+          </a:p>
+          <a:p>
+            <a:r>
+              <a:rPr lang="en-US" dirty="0" err="1"/>
+              <a:t>HttpClient</a:t>
+            </a:r>
+            <a:r>
+              <a:rPr lang="en-US" dirty="0"/>
+              <a:t> Class</a:t>
+            </a:r>
+          </a:p>
+          <a:p>
+            <a:endParaRPr lang="en-US" dirty="0"/>
+          </a:p>
+          <a:p>
+            <a:r>
+              <a:rPr lang="en-US" dirty="0"/>
+              <a:t>3</a:t>
+            </a:r>
+            <a:r>
+              <a:rPr lang="en-US" baseline="30000" dirty="0"/>
+              <a:t>rd</a:t>
+            </a:r>
+            <a:r>
+              <a:rPr lang="en-US" dirty="0"/>
+              <a:t> party libraries</a:t>
+            </a:r>
+          </a:p>
+          <a:p>
+            <a:endParaRPr lang="en-US" dirty="0"/>
+          </a:p>
+        </p:txBody>
+      </p:sp>
+    </p:spTree>
+    <p:extLst>
+      <p:ext uri="{BB962C8B-B14F-4D97-AF65-F5344CB8AC3E}">
+        <p14:creationId xmlns:p14="http://schemas.microsoft.com/office/powerpoint/2010/main" val="4170698460"/>
+      </p:ext>
+    </p:extLst>
+  </p:cSld>
+  <p:clrMapOvr>
+    <a:masterClrMapping/>
+  </p:clrMapOvr>
+  <mc:AlternateContent xmlns:mc="http://schemas.openxmlformats.org/markup-compatibility/2006" xmlns:p14="http://schemas.microsoft.com/office/powerpoint/2010/main">
+    <mc:Choice Requires="p14">
+      <p:transition spd="med" p14:dur="700">
+        <p:fade/>
+      </p:transition>
+    </mc:Choice>
+    <mc:Fallback xmlns="">
+      <p:transition spd="med">
+        <p:fade/>
+      </p:transition>
+    </mc:Fallback>
+  </mc:AlternateContent>
+</p:sld>
+</file>
+
+<file path=ppt/slides/slide14.xml><?xml version="1.0" encoding="utf-8"?>
+<p:sld xmlns:a="http://schemas.openxmlformats.org/drawingml/2006/main" xmlns:r="http://schemas.openxmlformats.org/officeDocument/2006/relationships" xmlns:p="http://schemas.openxmlformats.org/presentationml/2006/main">
+  <p:cSld>
+    <p:spTree>
+      <p:nvGrpSpPr>
+        <p:cNvPr id="1" name=""/>
+        <p:cNvGrpSpPr/>
+        <p:nvPr/>
+      </p:nvGrpSpPr>
+      <p:grpSpPr>
+        <a:xfrm>
+          <a:off x="0" y="0"/>
+          <a:ext cx="0" cy="0"/>
+          <a:chOff x="0" y="0"/>
+          <a:chExt cx="0" cy="0"/>
+        </a:xfrm>
+      </p:grpSpPr>
+      <p:pic>
+        <p:nvPicPr>
+          <p:cNvPr id="5" name="Picture 4" descr="A person standing in a room&#10;&#10;Description automatically generated">
+            <a:extLst>
+              <a:ext uri="{FF2B5EF4-FFF2-40B4-BE49-F238E27FC236}">
+                <a16:creationId xmlns:a16="http://schemas.microsoft.com/office/drawing/2014/main" id="{D52CAF26-3F5F-8A43-93FF-90375A746814}"/>
+              </a:ext>
+            </a:extLst>
+          </p:cNvPr>
+          <p:cNvPicPr>
+            <a:picLocks noChangeAspect="1"/>
+          </p:cNvPicPr>
+          <p:nvPr/>
+        </p:nvPicPr>
+        <p:blipFill>
+          <a:blip r:embed="rId2">
+            <a:extLst>
+              <a:ext uri="{28A0092B-C50C-407E-A947-70E740481C1C}">
+                <a14:useLocalDpi xmlns:a14="http://schemas.microsoft.com/office/drawing/2010/main" val="0"/>
+              </a:ext>
+            </a:extLst>
+          </a:blip>
+          <a:stretch>
+            <a:fillRect/>
+          </a:stretch>
+        </p:blipFill>
+        <p:spPr>
+          <a:xfrm>
+            <a:off x="2620475" y="2084560"/>
+            <a:ext cx="6559739" cy="3689853"/>
+          </a:xfrm>
+          <a:prstGeom prst="rect">
+            <a:avLst/>
+          </a:prstGeom>
+        </p:spPr>
+      </p:pic>
+      <p:sp>
+        <p:nvSpPr>
+          <p:cNvPr id="6" name="Title 5">
+            <a:extLst>
+              <a:ext uri="{FF2B5EF4-FFF2-40B4-BE49-F238E27FC236}">
+                <a16:creationId xmlns:a16="http://schemas.microsoft.com/office/drawing/2014/main" id="{C441C657-22E1-674B-B9E7-F5D0A32416D6}"/>
+              </a:ext>
+            </a:extLst>
+          </p:cNvPr>
+          <p:cNvSpPr>
+            <a:spLocks noGrp="1"/>
+          </p:cNvSpPr>
+          <p:nvPr>
+            <p:ph type="title"/>
+          </p:nvPr>
+        </p:nvSpPr>
+        <p:spPr/>
+        <p:txBody>
+          <a:bodyPr/>
+          <a:lstStyle/>
+          <a:p>
+            <a:r>
+              <a:rPr lang="en-US" dirty="0"/>
+              <a:t>Let’s see some code</a:t>
+            </a:r>
+          </a:p>
+        </p:txBody>
+      </p:sp>
+    </p:spTree>
+    <p:extLst>
+      <p:ext uri="{BB962C8B-B14F-4D97-AF65-F5344CB8AC3E}">
+        <p14:creationId xmlns:p14="http://schemas.microsoft.com/office/powerpoint/2010/main" val="4165733545"/>
+      </p:ext>
+    </p:extLst>
+  </p:cSld>
+  <p:clrMapOvr>
+    <a:masterClrMapping/>
+  </p:clrMapOvr>
+  <mc:AlternateContent xmlns:mc="http://schemas.openxmlformats.org/markup-compatibility/2006" xmlns:p14="http://schemas.microsoft.com/office/powerpoint/2010/main">
+    <mc:Choice Requires="p14">
+      <p:transition spd="med" p14:dur="700">
+        <p:fade/>
+      </p:transition>
+    </mc:Choice>
+    <mc:Fallback xmlns="">
+      <p:transition spd="med">
+        <p:fade/>
+      </p:transition>
+    </mc:Fallback>
+  </mc:AlternateContent>
+</p:sld>
+</file>
+
+<file path=ppt/slides/slide15.xml><?xml version="1.0" encoding="utf-8"?>
+<p:sld xmlns:a="http://schemas.openxmlformats.org/drawingml/2006/main" xmlns:r="http://schemas.openxmlformats.org/officeDocument/2006/relationships" xmlns:p="http://schemas.openxmlformats.org/presentationml/2006/main">
+  <p:cSld>
+    <p:spTree>
+      <p:nvGrpSpPr>
+        <p:cNvPr id="1" name=""/>
+        <p:cNvGrpSpPr/>
+        <p:nvPr/>
+      </p:nvGrpSpPr>
+      <p:grpSpPr>
+        <a:xfrm>
+          <a:off x="0" y="0"/>
+          <a:ext cx="0" cy="0"/>
+          <a:chOff x="0" y="0"/>
+          <a:chExt cx="0" cy="0"/>
+        </a:xfrm>
+      </p:grpSpPr>
+      <p:sp>
+        <p:nvSpPr>
+          <p:cNvPr id="3" name="Title 2">
+            <a:extLst>
+              <a:ext uri="{FF2B5EF4-FFF2-40B4-BE49-F238E27FC236}">
+                <a16:creationId xmlns:a16="http://schemas.microsoft.com/office/drawing/2014/main" id="{90A297C0-4196-0A44-B8B8-D5042CF8637A}"/>
+              </a:ext>
+            </a:extLst>
+          </p:cNvPr>
+          <p:cNvSpPr>
+            <a:spLocks noGrp="1"/>
+          </p:cNvSpPr>
+          <p:nvPr>
+            <p:ph type="title"/>
+          </p:nvPr>
+        </p:nvSpPr>
+        <p:spPr/>
+        <p:txBody>
+          <a:bodyPr/>
+          <a:lstStyle/>
+          <a:p>
+            <a:r>
+              <a:rPr lang="en-US" dirty="0"/>
+              <a:t>References</a:t>
+            </a:r>
+          </a:p>
+        </p:txBody>
+      </p:sp>
+      <p:sp>
+        <p:nvSpPr>
+          <p:cNvPr id="4" name="Content Placeholder 3">
+            <a:extLst>
+              <a:ext uri="{FF2B5EF4-FFF2-40B4-BE49-F238E27FC236}">
+                <a16:creationId xmlns:a16="http://schemas.microsoft.com/office/drawing/2014/main" id="{528FD2C7-658F-D641-9B76-71DBE3FB9228}"/>
+              </a:ext>
+            </a:extLst>
+          </p:cNvPr>
+          <p:cNvSpPr>
+            <a:spLocks noGrp="1"/>
+          </p:cNvSpPr>
+          <p:nvPr>
+            <p:ph idx="1"/>
+          </p:nvPr>
+        </p:nvSpPr>
+        <p:spPr/>
+        <p:txBody>
+          <a:bodyPr/>
+          <a:lstStyle/>
+          <a:p>
+            <a:r>
+              <a:rPr lang="en-US" dirty="0">
+                <a:hlinkClick r:id="rId2"/>
+              </a:rPr>
+              <a:t>https://swapi.co/</a:t>
+            </a:r>
+            <a:endParaRPr lang="en-US" dirty="0"/>
+          </a:p>
+          <a:p>
+            <a:r>
+              <a:rPr lang="en-US" dirty="0">
+                <a:hlinkClick r:id="rId3"/>
+              </a:rPr>
+              <a:t>https://bit.ly/2BI3C4T</a:t>
+            </a:r>
+            <a:endParaRPr lang="en-US" dirty="0"/>
+          </a:p>
+          <a:p>
+            <a:r>
+              <a:rPr lang="en-US" dirty="0">
+                <a:hlinkClick r:id="rId4"/>
+              </a:rPr>
+              <a:t>https://youtu.be/_lwCVE_XgqI</a:t>
+            </a:r>
+            <a:r>
+              <a:rPr lang="en-US" dirty="0"/>
+              <a:t> </a:t>
+            </a:r>
+          </a:p>
+          <a:p>
+            <a:r>
+              <a:rPr lang="en-US" dirty="0">
+                <a:hlinkClick r:id="rId5"/>
+              </a:rPr>
+              <a:t>https://github.com/olcay/SharpTrooper</a:t>
+            </a:r>
+            <a:endParaRPr lang="en-US" dirty="0"/>
+          </a:p>
+          <a:p>
+            <a:r>
+              <a:rPr lang="en-US" dirty="0">
+                <a:hlinkClick r:id="rId6"/>
+              </a:rPr>
+              <a:t>https://bit.ly/2WG9fvH</a:t>
+            </a:r>
+            <a:r>
+              <a:rPr lang="en-US" dirty="0"/>
+              <a:t> - how to POST with </a:t>
+            </a:r>
+            <a:r>
+              <a:rPr lang="en-US" dirty="0" err="1"/>
+              <a:t>WebClient</a:t>
+            </a:r>
+            <a:endParaRPr lang="en-US" dirty="0"/>
+          </a:p>
+          <a:p>
+            <a:pPr marL="0" indent="0">
+              <a:buNone/>
+            </a:pPr>
+            <a:endParaRPr lang="en-US" dirty="0"/>
+          </a:p>
+        </p:txBody>
+      </p:sp>
+    </p:spTree>
+    <p:extLst>
+      <p:ext uri="{BB962C8B-B14F-4D97-AF65-F5344CB8AC3E}">
+        <p14:creationId xmlns:p14="http://schemas.microsoft.com/office/powerpoint/2010/main" val="3433295556"/>
+      </p:ext>
+    </p:extLst>
+  </p:cSld>
+  <p:clrMapOvr>
+    <a:masterClrMapping/>
+  </p:clrMapOvr>
+  <mc:AlternateContent xmlns:mc="http://schemas.openxmlformats.org/markup-compatibility/2006" xmlns:p14="http://schemas.microsoft.com/office/powerpoint/2010/main">
+    <mc:Choice Requires="p14">
+      <p:transition spd="med" p14:dur="700">
+        <p:fade/>
+      </p:transition>
+    </mc:Choice>
+    <mc:Fallback xmlns="">
+      <p:transition spd="med">
+        <p:fade/>
+      </p:transition>
+    </mc:Fallback>
+  </mc:AlternateContent>
+</p:sld>
+</file>
+
+<file path=ppt/slides/slide16.xml><?xml version="1.0" encoding="utf-8"?>
+<p:sld xmlns:a="http://schemas.openxmlformats.org/drawingml/2006/main" xmlns:r="http://schemas.openxmlformats.org/officeDocument/2006/relationships" xmlns:p="http://schemas.openxmlformats.org/presentationml/2006/main">
+  <p:cSld>
+    <p:spTree>
+      <p:nvGrpSpPr>
+        <p:cNvPr id="1" name=""/>
+        <p:cNvGrpSpPr/>
+        <p:nvPr/>
+      </p:nvGrpSpPr>
+      <p:grpSpPr>
+        <a:xfrm>
+          <a:off x="0" y="0"/>
+          <a:ext cx="0" cy="0"/>
+          <a:chOff x="0" y="0"/>
+          <a:chExt cx="0" cy="0"/>
+        </a:xfrm>
+      </p:grpSpPr>
+      <p:sp>
+        <p:nvSpPr>
+          <p:cNvPr id="4" name="Title 3">
+            <a:extLst>
+              <a:ext uri="{FF2B5EF4-FFF2-40B4-BE49-F238E27FC236}">
+                <a16:creationId xmlns:a16="http://schemas.microsoft.com/office/drawing/2014/main" id="{34AF7C4B-0DFC-874F-9E79-F561D38903D0}"/>
+              </a:ext>
+            </a:extLst>
+          </p:cNvPr>
+          <p:cNvSpPr>
+            <a:spLocks noGrp="1"/>
+          </p:cNvSpPr>
+          <p:nvPr>
+            <p:ph type="title"/>
+          </p:nvPr>
+        </p:nvSpPr>
+        <p:spPr/>
+        <p:txBody>
+          <a:bodyPr>
+            <a:normAutofit fontScale="90000"/>
+          </a:bodyPr>
+          <a:lstStyle/>
+          <a:p>
+            <a:r>
+              <a:rPr lang="en-US" sz="8000" dirty="0"/>
+              <a:t>Questions?</a:t>
+            </a:r>
+          </a:p>
+        </p:txBody>
+      </p:sp>
+    </p:spTree>
+    <p:extLst>
+      <p:ext uri="{BB962C8B-B14F-4D97-AF65-F5344CB8AC3E}">
+        <p14:creationId xmlns:p14="http://schemas.microsoft.com/office/powerpoint/2010/main" val="1642975674"/>
+      </p:ext>
+    </p:extLst>
+  </p:cSld>
+  <p:clrMapOvr>
+    <a:masterClrMapping/>
+  </p:clrMapOvr>
+  <mc:AlternateContent xmlns:mc="http://schemas.openxmlformats.org/markup-compatibility/2006" xmlns:p14="http://schemas.microsoft.com/office/powerpoint/2010/main">
+    <mc:Choice Requires="p14">
+      <p:transition spd="med" p14:dur="700">
+        <p:fade/>
+      </p:transition>
+    </mc:Choice>
+    <mc:Fallback xmlns="">
+      <p:transition spd="med">
+        <p:fade/>
+      </p:transition>
+    </mc:Fallback>
+  </mc:AlternateContent>
+</p:sld>
+</file>
+
+<file path=ppt/slides/slide17.xml><?xml version="1.0" encoding="utf-8"?>
+<p:sld xmlns:a="http://schemas.openxmlformats.org/drawingml/2006/main" xmlns:r="http://schemas.openxmlformats.org/officeDocument/2006/relationships" xmlns:p="http://schemas.openxmlformats.org/presentationml/2006/main">
+  <p:cSld>
+    <p:spTree>
+      <p:nvGrpSpPr>
+        <p:cNvPr id="1" name=""/>
+        <p:cNvGrpSpPr/>
+        <p:nvPr/>
+      </p:nvGrpSpPr>
+      <p:grpSpPr>
+        <a:xfrm>
+          <a:off x="0" y="0"/>
+          <a:ext cx="0" cy="0"/>
+          <a:chOff x="0" y="0"/>
+          <a:chExt cx="0" cy="0"/>
+        </a:xfrm>
+      </p:grpSpPr>
+      <p:sp>
+        <p:nvSpPr>
           <p:cNvPr id="2" name="Title 1"/>
           <p:cNvSpPr>
             <a:spLocks noGrp="1"/>
@@ -9074,7 +10846,7 @@
         <p:spPr>
           <a:xfrm>
             <a:off x="680321" y="5033055"/>
-            <a:ext cx="9613861" cy="707886"/>
+            <a:ext cx="9613861" cy="584775"/>
           </a:xfrm>
           <a:prstGeom prst="rect">
             <a:avLst/>
@@ -9089,18 +10861,28 @@
           <a:p>
             <a:pPr algn="ctr"/>
             <a:r>
-              <a:rPr lang="bg-BG" sz="4000" dirty="0">
-                <a:effectLst>
-                  <a:outerShdw blurRad="38100" dist="38100" dir="2700000" algn="tl">
-                    <a:srgbClr val="000000">
-                      <a:alpha val="43137"/>
-                    </a:srgbClr>
-                  </a:outerShdw>
-                </a:effectLst>
+              <a:rPr lang="en-US" sz="3200" dirty="0">
+                <a:hlinkClick r:id="rId2"/>
               </a:rPr>
-              <a:t>Заглавие на следващото събитие</a:t>
-            </a:r>
-            <a:endParaRPr lang="en-US" sz="4000" dirty="0">
+              <a:t>ML.NET</a:t>
+            </a:r>
+            <a:r>
+              <a:rPr lang="en-US" sz="3200" dirty="0"/>
+              <a:t> – Machine Learning </a:t>
+            </a:r>
+            <a:r>
+              <a:rPr lang="bg-BG" sz="3200" dirty="0"/>
+              <a:t>за .</a:t>
+            </a:r>
+            <a:r>
+              <a:rPr lang="en-US" sz="3200" dirty="0"/>
+              <a:t>NET </a:t>
+            </a:r>
+            <a:r>
+              <a:rPr lang="bg-BG" sz="3200" dirty="0"/>
+              <a:t>с примери</a:t>
+            </a:r>
+            <a:endParaRPr lang="en-US" sz="6000" dirty="0">
               <a:effectLst>
                 <a:outerShdw blurRad="38100" dist="38100" dir="2700000" algn="tl">
                   <a:srgbClr val="000000">
